--- a/ゲーム開発基本設計.pptx
+++ b/ゲーム開発基本設計.pptx
@@ -1,6 +1,6 @@
 
 <file path=ppt/presentation.xml><?xml version="1.0" encoding="utf-8"?>
-<p:presentation xmlns:a="http://schemas.openxmlformats.org/drawingml/2006/main" xmlns:r="http://schemas.openxmlformats.org/officeDocument/2006/relationships" xmlns:p="http://schemas.openxmlformats.org/presentationml/2006/main" saveSubsetFonts="1">
+<p:presentation xmlns:a="http://schemas.openxmlformats.org/drawingml/2006/main" xmlns:r="http://schemas.openxmlformats.org/officeDocument/2006/relationships" xmlns:p="http://schemas.openxmlformats.org/presentationml/2006/main" strictFirstAndLastChars="0" saveSubsetFonts="1">
   <p:sldMasterIdLst>
     <p:sldMasterId id="2147483768" r:id="rId1"/>
   </p:sldMasterIdLst>
@@ -17,6 +17,9 @@
     <p:sldId id="261" r:id="rId11"/>
     <p:sldId id="266" r:id="rId12"/>
     <p:sldId id="267" r:id="rId13"/>
+    <p:sldId id="268" r:id="rId14"/>
+    <p:sldId id="270" r:id="rId15"/>
+    <p:sldId id="269" r:id="rId16"/>
   </p:sldIdLst>
   <p:sldSz cx="12192000" cy="6858000"/>
   <p:notesSz cx="6858000" cy="9144000"/>
@@ -352,7 +355,7 @@
           <a:p>
             <a:fld id="{58781F84-27B7-46D0-AB4A-3EF27A82F792}" type="datetimeFigureOut">
               <a:rPr kumimoji="1" lang="ja-JP" altLang="en-US" smtClean="0"/>
-              <a:t>2020/2/27</a:t>
+              <a:t>2020/2/28</a:t>
             </a:fld>
             <a:endParaRPr kumimoji="1" lang="ja-JP" altLang="en-US"/>
           </a:p>
@@ -686,7 +689,7 @@
           <a:p>
             <a:fld id="{58781F84-27B7-46D0-AB4A-3EF27A82F792}" type="datetimeFigureOut">
               <a:rPr kumimoji="1" lang="ja-JP" altLang="en-US" smtClean="0"/>
-              <a:t>2020/2/27</a:t>
+              <a:t>2020/2/28</a:t>
             </a:fld>
             <a:endParaRPr kumimoji="1" lang="ja-JP" altLang="en-US"/>
           </a:p>
@@ -964,7 +967,7 @@
           <a:p>
             <a:fld id="{58781F84-27B7-46D0-AB4A-3EF27A82F792}" type="datetimeFigureOut">
               <a:rPr kumimoji="1" lang="ja-JP" altLang="en-US" smtClean="0"/>
-              <a:t>2020/2/27</a:t>
+              <a:t>2020/2/28</a:t>
             </a:fld>
             <a:endParaRPr kumimoji="1" lang="ja-JP" altLang="en-US"/>
           </a:p>
@@ -1532,7 +1535,7 @@
           <a:p>
             <a:fld id="{58781F84-27B7-46D0-AB4A-3EF27A82F792}" type="datetimeFigureOut">
               <a:rPr kumimoji="1" lang="ja-JP" altLang="en-US" smtClean="0"/>
-              <a:t>2020/2/27</a:t>
+              <a:t>2020/2/28</a:t>
             </a:fld>
             <a:endParaRPr kumimoji="1" lang="ja-JP" altLang="en-US"/>
           </a:p>
@@ -1810,7 +1813,7 @@
           <a:p>
             <a:fld id="{58781F84-27B7-46D0-AB4A-3EF27A82F792}" type="datetimeFigureOut">
               <a:rPr kumimoji="1" lang="ja-JP" altLang="en-US" smtClean="0"/>
-              <a:t>2020/2/27</a:t>
+              <a:t>2020/2/28</a:t>
             </a:fld>
             <a:endParaRPr kumimoji="1" lang="ja-JP" altLang="en-US"/>
           </a:p>
@@ -2372,7 +2375,7 @@
           <a:p>
             <a:fld id="{58781F84-27B7-46D0-AB4A-3EF27A82F792}" type="datetimeFigureOut">
               <a:rPr kumimoji="1" lang="ja-JP" altLang="en-US" smtClean="0"/>
-              <a:t>2020/2/27</a:t>
+              <a:t>2020/2/28</a:t>
             </a:fld>
             <a:endParaRPr kumimoji="1" lang="ja-JP" altLang="en-US"/>
           </a:p>
@@ -2699,7 +2702,7 @@
           <a:p>
             <a:fld id="{58781F84-27B7-46D0-AB4A-3EF27A82F792}" type="datetimeFigureOut">
               <a:rPr kumimoji="1" lang="ja-JP" altLang="en-US" smtClean="0"/>
-              <a:t>2020/2/27</a:t>
+              <a:t>2020/2/28</a:t>
             </a:fld>
             <a:endParaRPr kumimoji="1" lang="ja-JP" altLang="en-US"/>
           </a:p>
@@ -2936,7 +2939,7 @@
           <a:p>
             <a:fld id="{58781F84-27B7-46D0-AB4A-3EF27A82F792}" type="datetimeFigureOut">
               <a:rPr kumimoji="1" lang="ja-JP" altLang="en-US" smtClean="0"/>
-              <a:t>2020/2/27</a:t>
+              <a:t>2020/2/28</a:t>
             </a:fld>
             <a:endParaRPr kumimoji="1" lang="ja-JP" altLang="en-US"/>
           </a:p>
@@ -3178,7 +3181,7 @@
           <a:p>
             <a:fld id="{58781F84-27B7-46D0-AB4A-3EF27A82F792}" type="datetimeFigureOut">
               <a:rPr kumimoji="1" lang="ja-JP" altLang="en-US" smtClean="0"/>
-              <a:t>2020/2/27</a:t>
+              <a:t>2020/2/28</a:t>
             </a:fld>
             <a:endParaRPr kumimoji="1" lang="ja-JP" altLang="en-US"/>
           </a:p>
@@ -3410,7 +3413,7 @@
           <a:p>
             <a:fld id="{58781F84-27B7-46D0-AB4A-3EF27A82F792}" type="datetimeFigureOut">
               <a:rPr kumimoji="1" lang="ja-JP" altLang="en-US" smtClean="0"/>
-              <a:t>2020/2/27</a:t>
+              <a:t>2020/2/28</a:t>
             </a:fld>
             <a:endParaRPr kumimoji="1" lang="ja-JP" altLang="en-US"/>
           </a:p>
@@ -3686,7 +3689,7 @@
           <a:p>
             <a:fld id="{58781F84-27B7-46D0-AB4A-3EF27A82F792}" type="datetimeFigureOut">
               <a:rPr kumimoji="1" lang="ja-JP" altLang="en-US" smtClean="0"/>
-              <a:t>2020/2/27</a:t>
+              <a:t>2020/2/28</a:t>
             </a:fld>
             <a:endParaRPr kumimoji="1" lang="ja-JP" altLang="en-US"/>
           </a:p>
@@ -4016,7 +4019,7 @@
           <a:p>
             <a:fld id="{58781F84-27B7-46D0-AB4A-3EF27A82F792}" type="datetimeFigureOut">
               <a:rPr kumimoji="1" lang="ja-JP" altLang="en-US" smtClean="0"/>
-              <a:t>2020/2/27</a:t>
+              <a:t>2020/2/28</a:t>
             </a:fld>
             <a:endParaRPr kumimoji="1" lang="ja-JP" altLang="en-US"/>
           </a:p>
@@ -4454,7 +4457,7 @@
           <a:p>
             <a:fld id="{58781F84-27B7-46D0-AB4A-3EF27A82F792}" type="datetimeFigureOut">
               <a:rPr kumimoji="1" lang="ja-JP" altLang="en-US" smtClean="0"/>
-              <a:t>2020/2/27</a:t>
+              <a:t>2020/2/28</a:t>
             </a:fld>
             <a:endParaRPr kumimoji="1" lang="ja-JP" altLang="en-US"/>
           </a:p>
@@ -4602,7 +4605,7 @@
           <a:p>
             <a:fld id="{58781F84-27B7-46D0-AB4A-3EF27A82F792}" type="datetimeFigureOut">
               <a:rPr kumimoji="1" lang="ja-JP" altLang="en-US" smtClean="0"/>
-              <a:t>2020/2/27</a:t>
+              <a:t>2020/2/28</a:t>
             </a:fld>
             <a:endParaRPr kumimoji="1" lang="ja-JP" altLang="en-US"/>
           </a:p>
@@ -4727,7 +4730,7 @@
           <a:p>
             <a:fld id="{58781F84-27B7-46D0-AB4A-3EF27A82F792}" type="datetimeFigureOut">
               <a:rPr kumimoji="1" lang="ja-JP" altLang="en-US" smtClean="0"/>
-              <a:t>2020/2/27</a:t>
+              <a:t>2020/2/28</a:t>
             </a:fld>
             <a:endParaRPr kumimoji="1" lang="ja-JP" altLang="en-US"/>
           </a:p>
@@ -5044,7 +5047,7 @@
           <a:p>
             <a:fld id="{58781F84-27B7-46D0-AB4A-3EF27A82F792}" type="datetimeFigureOut">
               <a:rPr kumimoji="1" lang="ja-JP" altLang="en-US" smtClean="0"/>
-              <a:t>2020/2/27</a:t>
+              <a:t>2020/2/28</a:t>
             </a:fld>
             <a:endParaRPr kumimoji="1" lang="ja-JP" altLang="en-US"/>
           </a:p>
@@ -5368,7 +5371,7 @@
           <a:p>
             <a:fld id="{58781F84-27B7-46D0-AB4A-3EF27A82F792}" type="datetimeFigureOut">
               <a:rPr kumimoji="1" lang="ja-JP" altLang="en-US" smtClean="0"/>
-              <a:t>2020/2/27</a:t>
+              <a:t>2020/2/28</a:t>
             </a:fld>
             <a:endParaRPr kumimoji="1" lang="ja-JP" altLang="en-US"/>
           </a:p>
@@ -5614,7 +5617,7 @@
           <a:p>
             <a:fld id="{58781F84-27B7-46D0-AB4A-3EF27A82F792}" type="datetimeFigureOut">
               <a:rPr kumimoji="1" lang="ja-JP" altLang="en-US" smtClean="0"/>
-              <a:t>2020/2/27</a:t>
+              <a:t>2020/2/28</a:t>
             </a:fld>
             <a:endParaRPr kumimoji="1" lang="ja-JP" altLang="en-US"/>
           </a:p>
@@ -12285,6 +12288,18 @@
             <a:pPr algn="ctr"/>
             <a:r>
               <a:rPr kumimoji="1" lang="en-US" altLang="ja-JP" sz="1050" dirty="0"/>
+              <a:t>α</a:t>
+            </a:r>
+            <a:r>
+              <a:rPr kumimoji="1" lang="ja-JP" altLang="en-US" sz="1050" dirty="0"/>
+              <a:t>版</a:t>
+            </a:r>
+            <a:endParaRPr kumimoji="1" lang="en-US" altLang="ja-JP" sz="1050" dirty="0"/>
+          </a:p>
+          <a:p>
+            <a:pPr algn="ctr"/>
+            <a:r>
+              <a:rPr kumimoji="1" lang="en-US" altLang="ja-JP" sz="1050" dirty="0"/>
               <a:t>iteration</a:t>
             </a:r>
             <a:endParaRPr kumimoji="1" lang="ja-JP" altLang="en-US" sz="1050" dirty="0"/>
@@ -12362,7 +12377,7 @@
         </p:nvSpPr>
         <p:spPr>
           <a:xfrm>
-            <a:off x="6276558" y="2342147"/>
+            <a:off x="6942496" y="2342147"/>
             <a:ext cx="661728" cy="457200"/>
           </a:xfrm>
           <a:prstGeom prst="rect">
@@ -12419,7 +12434,7 @@
         </p:nvSpPr>
         <p:spPr>
           <a:xfrm>
-            <a:off x="6938286" y="2342147"/>
+            <a:off x="6280768" y="2342147"/>
             <a:ext cx="661728" cy="457200"/>
           </a:xfrm>
           <a:prstGeom prst="rect">
@@ -12512,6 +12527,18 @@
             <a:pPr algn="ctr"/>
             <a:r>
               <a:rPr kumimoji="1" lang="en-US" altLang="ja-JP" sz="1050" dirty="0"/>
+              <a:t>β</a:t>
+            </a:r>
+            <a:r>
+              <a:rPr kumimoji="1" lang="ja-JP" altLang="en-US" sz="1050" dirty="0"/>
+              <a:t>版</a:t>
+            </a:r>
+            <a:endParaRPr kumimoji="1" lang="en-US" altLang="ja-JP" sz="1050" dirty="0"/>
+          </a:p>
+          <a:p>
+            <a:pPr algn="ctr"/>
+            <a:r>
+              <a:rPr kumimoji="1" lang="en-US" altLang="ja-JP" sz="1050" dirty="0"/>
               <a:t>iteration</a:t>
             </a:r>
             <a:endParaRPr kumimoji="1" lang="ja-JP" altLang="en-US" sz="1050" dirty="0"/>
@@ -12569,59 +12596,9 @@
             <a:pPr algn="ctr"/>
             <a:r>
               <a:rPr kumimoji="1" lang="en-US" altLang="ja-JP" sz="1050" dirty="0"/>
-              <a:t>iteration</a:t>
-            </a:r>
-            <a:endParaRPr kumimoji="1" lang="ja-JP" altLang="en-US" sz="1050" dirty="0"/>
-          </a:p>
-        </p:txBody>
-      </p:sp>
-      <p:sp>
-        <p:nvSpPr>
-          <p:cNvPr id="17" name="正方形/長方形 16">
-            <a:extLst>
-              <a:ext uri="{FF2B5EF4-FFF2-40B4-BE49-F238E27FC236}">
-                <a16:creationId xmlns:a16="http://schemas.microsoft.com/office/drawing/2014/main" id="{62C7591A-6345-43AD-A591-A356E40A73FB}"/>
-              </a:ext>
-            </a:extLst>
-          </p:cNvPr>
-          <p:cNvSpPr/>
-          <p:nvPr/>
-        </p:nvSpPr>
-        <p:spPr>
-          <a:xfrm>
-            <a:off x="8923470" y="2342147"/>
-            <a:ext cx="661728" cy="457200"/>
-          </a:xfrm>
-          <a:prstGeom prst="rect">
-            <a:avLst/>
-          </a:prstGeom>
-          <a:gradFill flip="none" rotWithShape="1">
-            <a:lin ang="5400000" scaled="1"/>
-            <a:tileRect/>
-          </a:gradFill>
-          <a:ln w="12700">
-            <a:solidFill>
-              <a:schemeClr val="dk1"/>
-            </a:solidFill>
-          </a:ln>
-        </p:spPr>
-        <p:style>
-          <a:lnRef idx="1">
-            <a:schemeClr val="dk1"/>
-          </a:lnRef>
-          <a:fillRef idx="2">
-            <a:schemeClr val="dk1"/>
-          </a:fillRef>
-          <a:effectRef idx="1">
-            <a:schemeClr val="dk1"/>
-          </a:effectRef>
-          <a:fontRef idx="minor">
-            <a:schemeClr val="dk1"/>
-          </a:fontRef>
-        </p:style>
-        <p:txBody>
-          <a:bodyPr rtlCol="0" anchor="ctr"/>
-          <a:lstStyle/>
+              <a:t>master</a:t>
+            </a:r>
+          </a:p>
           <a:p>
             <a:pPr algn="ctr"/>
             <a:r>
@@ -12646,7 +12623,7 @@
         </p:nvSpPr>
         <p:spPr>
           <a:xfrm>
-            <a:off x="9645488" y="2342147"/>
+            <a:off x="8919260" y="2342147"/>
             <a:ext cx="661728" cy="457200"/>
           </a:xfrm>
           <a:prstGeom prst="rect">
@@ -12694,7 +12671,7 @@
         </p:nvSpPr>
         <p:spPr>
           <a:xfrm>
-            <a:off x="10307175" y="2342147"/>
+            <a:off x="9631308" y="2342147"/>
             <a:ext cx="661728" cy="457200"/>
           </a:xfrm>
           <a:prstGeom prst="rect">
@@ -12768,7 +12745,7 @@
         </p:nvSpPr>
         <p:spPr>
           <a:xfrm>
-            <a:off x="10968903" y="2342147"/>
+            <a:off x="10293036" y="2342147"/>
             <a:ext cx="661728" cy="457200"/>
           </a:xfrm>
           <a:prstGeom prst="rect">
@@ -12843,7 +12820,7 @@
         <p:spPr>
           <a:xfrm flipH="1">
             <a:off x="5628862" y="2917502"/>
-            <a:ext cx="4678311" cy="511498"/>
+            <a:ext cx="3952126" cy="511498"/>
           </a:xfrm>
           <a:prstGeom prst="rtTriangle">
             <a:avLst/>
@@ -12948,42 +12925,17 @@
           <a:prstGeom prst="roundRect">
             <a:avLst/>
           </a:prstGeom>
-          <a:gradFill flip="none" rotWithShape="1">
-            <a:gsLst>
-              <a:gs pos="0">
-                <a:schemeClr val="accent1">
-                  <a:lumMod val="67000"/>
-                </a:schemeClr>
-              </a:gs>
-              <a:gs pos="48000">
-                <a:schemeClr val="accent1">
-                  <a:lumMod val="97000"/>
-                  <a:lumOff val="3000"/>
-                </a:schemeClr>
-              </a:gs>
-              <a:gs pos="100000">
-                <a:schemeClr val="accent1">
-                  <a:lumMod val="60000"/>
-                  <a:lumOff val="40000"/>
-                </a:schemeClr>
-              </a:gs>
-            </a:gsLst>
-            <a:lin ang="16200000" scaled="1"/>
-            <a:tileRect/>
-          </a:gradFill>
-          <a:ln>
-            <a:noFill/>
-          </a:ln>
+          <a:ln/>
         </p:spPr>
         <p:style>
           <a:lnRef idx="0">
-            <a:scrgbClr r="0" g="0" b="0"/>
+            <a:schemeClr val="accent5"/>
           </a:lnRef>
-          <a:fillRef idx="0">
-            <a:scrgbClr r="0" g="0" b="0"/>
+          <a:fillRef idx="3">
+            <a:schemeClr val="accent5"/>
           </a:fillRef>
-          <a:effectRef idx="0">
-            <a:scrgbClr r="0" g="0" b="0"/>
+          <a:effectRef idx="3">
+            <a:schemeClr val="accent5"/>
           </a:effectRef>
           <a:fontRef idx="minor">
             <a:schemeClr val="lt1"/>
@@ -13021,42 +12973,17 @@
           <a:prstGeom prst="roundRect">
             <a:avLst/>
           </a:prstGeom>
-          <a:gradFill flip="none" rotWithShape="1">
-            <a:gsLst>
-              <a:gs pos="0">
-                <a:schemeClr val="accent1">
-                  <a:lumMod val="67000"/>
-                </a:schemeClr>
-              </a:gs>
-              <a:gs pos="48000">
-                <a:schemeClr val="accent1">
-                  <a:lumMod val="97000"/>
-                  <a:lumOff val="3000"/>
-                </a:schemeClr>
-              </a:gs>
-              <a:gs pos="100000">
-                <a:schemeClr val="accent1">
-                  <a:lumMod val="60000"/>
-                  <a:lumOff val="40000"/>
-                </a:schemeClr>
-              </a:gs>
-            </a:gsLst>
-            <a:lin ang="16200000" scaled="1"/>
-            <a:tileRect/>
-          </a:gradFill>
-          <a:ln>
-            <a:noFill/>
-          </a:ln>
+          <a:ln/>
         </p:spPr>
         <p:style>
           <a:lnRef idx="0">
-            <a:scrgbClr r="0" g="0" b="0"/>
+            <a:schemeClr val="accent6"/>
           </a:lnRef>
-          <a:fillRef idx="0">
-            <a:scrgbClr r="0" g="0" b="0"/>
+          <a:fillRef idx="3">
+            <a:schemeClr val="accent6"/>
           </a:fillRef>
-          <a:effectRef idx="0">
-            <a:scrgbClr r="0" g="0" b="0"/>
+          <a:effectRef idx="3">
+            <a:schemeClr val="accent6"/>
           </a:effectRef>
           <a:fontRef idx="minor">
             <a:schemeClr val="lt1"/>
@@ -13088,48 +13015,23 @@
         </p:nvSpPr>
         <p:spPr>
           <a:xfrm>
-            <a:off x="3815244" y="4741890"/>
+            <a:off x="3831869" y="4741891"/>
             <a:ext cx="1606912" cy="580589"/>
           </a:xfrm>
           <a:prstGeom prst="roundRect">
             <a:avLst/>
           </a:prstGeom>
-          <a:gradFill flip="none" rotWithShape="1">
-            <a:gsLst>
-              <a:gs pos="0">
-                <a:schemeClr val="accent1">
-                  <a:lumMod val="67000"/>
-                </a:schemeClr>
-              </a:gs>
-              <a:gs pos="48000">
-                <a:schemeClr val="accent1">
-                  <a:lumMod val="97000"/>
-                  <a:lumOff val="3000"/>
-                </a:schemeClr>
-              </a:gs>
-              <a:gs pos="100000">
-                <a:schemeClr val="accent1">
-                  <a:lumMod val="60000"/>
-                  <a:lumOff val="40000"/>
-                </a:schemeClr>
-              </a:gs>
-            </a:gsLst>
-            <a:lin ang="16200000" scaled="1"/>
-            <a:tileRect/>
-          </a:gradFill>
-          <a:ln>
-            <a:noFill/>
-          </a:ln>
+          <a:ln/>
         </p:spPr>
         <p:style>
           <a:lnRef idx="0">
-            <a:scrgbClr r="0" g="0" b="0"/>
+            <a:schemeClr val="accent2"/>
           </a:lnRef>
-          <a:fillRef idx="0">
-            <a:scrgbClr r="0" g="0" b="0"/>
+          <a:fillRef idx="3">
+            <a:schemeClr val="accent2"/>
           </a:fillRef>
-          <a:effectRef idx="0">
-            <a:scrgbClr r="0" g="0" b="0"/>
+          <a:effectRef idx="3">
+            <a:schemeClr val="accent2"/>
           </a:effectRef>
           <a:fontRef idx="minor">
             <a:schemeClr val="lt1"/>
@@ -13225,10 +13127,1819 @@
           </a:fontRef>
         </p:style>
       </p:cxnSp>
+      <p:sp>
+        <p:nvSpPr>
+          <p:cNvPr id="32" name="正方形/長方形 31">
+            <a:extLst>
+              <a:ext uri="{FF2B5EF4-FFF2-40B4-BE49-F238E27FC236}">
+                <a16:creationId xmlns:a16="http://schemas.microsoft.com/office/drawing/2014/main" id="{21ECFC57-6A8A-4F3A-B215-E22FE84AE77D}"/>
+              </a:ext>
+            </a:extLst>
+          </p:cNvPr>
+          <p:cNvSpPr/>
+          <p:nvPr/>
+        </p:nvSpPr>
+        <p:spPr>
+          <a:xfrm>
+            <a:off x="10954763" y="2342147"/>
+            <a:ext cx="661728" cy="457200"/>
+          </a:xfrm>
+          <a:prstGeom prst="rect">
+            <a:avLst/>
+          </a:prstGeom>
+          <a:gradFill flip="none" rotWithShape="1">
+            <a:gsLst>
+              <a:gs pos="0">
+                <a:schemeClr val="accent6">
+                  <a:lumMod val="67000"/>
+                </a:schemeClr>
+              </a:gs>
+              <a:gs pos="48000">
+                <a:schemeClr val="accent6">
+                  <a:lumMod val="97000"/>
+                  <a:lumOff val="3000"/>
+                </a:schemeClr>
+              </a:gs>
+              <a:gs pos="100000">
+                <a:schemeClr val="accent6">
+                  <a:lumMod val="60000"/>
+                  <a:lumOff val="40000"/>
+                </a:schemeClr>
+              </a:gs>
+            </a:gsLst>
+            <a:lin ang="16200000" scaled="1"/>
+            <a:tileRect/>
+          </a:gradFill>
+          <a:ln>
+            <a:noFill/>
+          </a:ln>
+        </p:spPr>
+        <p:style>
+          <a:lnRef idx="0">
+            <a:scrgbClr r="0" g="0" b="0"/>
+          </a:lnRef>
+          <a:fillRef idx="0">
+            <a:scrgbClr r="0" g="0" b="0"/>
+          </a:fillRef>
+          <a:effectRef idx="0">
+            <a:scrgbClr r="0" g="0" b="0"/>
+          </a:effectRef>
+          <a:fontRef idx="minor">
+            <a:schemeClr val="lt1"/>
+          </a:fontRef>
+        </p:style>
+        <p:txBody>
+          <a:bodyPr rtlCol="0" anchor="ctr"/>
+          <a:lstStyle/>
+          <a:p>
+            <a:pPr algn="ctr"/>
+            <a:r>
+              <a:rPr kumimoji="1" lang="en-US" altLang="ja-JP" sz="1050" dirty="0"/>
+              <a:t>translation</a:t>
+            </a:r>
+            <a:endParaRPr kumimoji="1" lang="ja-JP" altLang="en-US" sz="1050" dirty="0"/>
+          </a:p>
+        </p:txBody>
+      </p:sp>
+      <p:sp>
+        <p:nvSpPr>
+          <p:cNvPr id="3" name="テキスト ボックス 2">
+            <a:extLst>
+              <a:ext uri="{FF2B5EF4-FFF2-40B4-BE49-F238E27FC236}">
+                <a16:creationId xmlns:a16="http://schemas.microsoft.com/office/drawing/2014/main" id="{E8269668-A98E-46C3-A3DE-51315EC7FF2E}"/>
+              </a:ext>
+            </a:extLst>
+          </p:cNvPr>
+          <p:cNvSpPr txBox="1"/>
+          <p:nvPr/>
+        </p:nvSpPr>
+        <p:spPr>
+          <a:xfrm>
+            <a:off x="5968226" y="3393192"/>
+            <a:ext cx="3342582" cy="646331"/>
+          </a:xfrm>
+          <a:prstGeom prst="rect">
+            <a:avLst/>
+          </a:prstGeom>
+          <a:noFill/>
+        </p:spPr>
+        <p:txBody>
+          <a:bodyPr wrap="none" rtlCol="0">
+            <a:spAutoFit/>
+          </a:bodyPr>
+          <a:lstStyle/>
+          <a:p>
+            <a:r>
+              <a:rPr kumimoji="1" lang="ja-JP" altLang="en-US" dirty="0"/>
+              <a:t>テスト駆動開発を実践するため、</a:t>
+            </a:r>
+            <a:endParaRPr kumimoji="1" lang="en-US" altLang="ja-JP" dirty="0"/>
+          </a:p>
+          <a:p>
+            <a:r>
+              <a:rPr kumimoji="1" lang="ja-JP" altLang="en-US" dirty="0"/>
+              <a:t>実装と</a:t>
+            </a:r>
+            <a:r>
+              <a:rPr kumimoji="1" lang="en-US" altLang="ja-JP" dirty="0"/>
+              <a:t>QA</a:t>
+            </a:r>
+            <a:r>
+              <a:rPr kumimoji="1" lang="ja-JP" altLang="en-US" dirty="0"/>
+              <a:t>は並行して行う。</a:t>
+            </a:r>
+          </a:p>
+        </p:txBody>
+      </p:sp>
+      <p:sp>
+        <p:nvSpPr>
+          <p:cNvPr id="19" name="二等辺三角形 18">
+            <a:extLst>
+              <a:ext uri="{FF2B5EF4-FFF2-40B4-BE49-F238E27FC236}">
+                <a16:creationId xmlns:a16="http://schemas.microsoft.com/office/drawing/2014/main" id="{9C52C3AB-2BAE-4199-94C0-66AACA7FCF44}"/>
+              </a:ext>
+            </a:extLst>
+          </p:cNvPr>
+          <p:cNvSpPr/>
+          <p:nvPr/>
+        </p:nvSpPr>
+        <p:spPr>
+          <a:xfrm rot="10800000">
+            <a:off x="2718130" y="1644619"/>
+            <a:ext cx="346772" cy="298941"/>
+          </a:xfrm>
+          <a:prstGeom prst="triangle">
+            <a:avLst/>
+          </a:prstGeom>
+        </p:spPr>
+        <p:style>
+          <a:lnRef idx="2">
+            <a:schemeClr val="accent5">
+              <a:shade val="50000"/>
+            </a:schemeClr>
+          </a:lnRef>
+          <a:fillRef idx="1">
+            <a:schemeClr val="accent5"/>
+          </a:fillRef>
+          <a:effectRef idx="0">
+            <a:schemeClr val="accent5"/>
+          </a:effectRef>
+          <a:fontRef idx="minor">
+            <a:schemeClr val="lt1"/>
+          </a:fontRef>
+        </p:style>
+        <p:txBody>
+          <a:bodyPr rtlCol="0" anchor="ctr"/>
+          <a:lstStyle/>
+          <a:p>
+            <a:pPr algn="ctr"/>
+            <a:endParaRPr kumimoji="1" lang="ja-JP" altLang="en-US"/>
+          </a:p>
+        </p:txBody>
+      </p:sp>
+      <p:sp>
+        <p:nvSpPr>
+          <p:cNvPr id="34" name="テキスト ボックス 33">
+            <a:extLst>
+              <a:ext uri="{FF2B5EF4-FFF2-40B4-BE49-F238E27FC236}">
+                <a16:creationId xmlns:a16="http://schemas.microsoft.com/office/drawing/2014/main" id="{669EC659-2406-4039-9752-E9E094C6B430}"/>
+              </a:ext>
+            </a:extLst>
+          </p:cNvPr>
+          <p:cNvSpPr txBox="1"/>
+          <p:nvPr/>
+        </p:nvSpPr>
+        <p:spPr>
+          <a:xfrm>
+            <a:off x="2424081" y="1425849"/>
+            <a:ext cx="934871" cy="276999"/>
+          </a:xfrm>
+          <a:prstGeom prst="rect">
+            <a:avLst/>
+          </a:prstGeom>
+          <a:noFill/>
+        </p:spPr>
+        <p:txBody>
+          <a:bodyPr wrap="none" rtlCol="0">
+            <a:spAutoFit/>
+          </a:bodyPr>
+          <a:lstStyle/>
+          <a:p>
+            <a:pPr algn="ctr"/>
+            <a:r>
+              <a:rPr kumimoji="1" lang="ja-JP" altLang="en-US" sz="1200" dirty="0"/>
+              <a:t>プロトタイプ</a:t>
+            </a:r>
+          </a:p>
+        </p:txBody>
+      </p:sp>
+      <p:sp>
+        <p:nvSpPr>
+          <p:cNvPr id="37" name="二等辺三角形 36">
+            <a:extLst>
+              <a:ext uri="{FF2B5EF4-FFF2-40B4-BE49-F238E27FC236}">
+                <a16:creationId xmlns:a16="http://schemas.microsoft.com/office/drawing/2014/main" id="{E6146981-F34F-4261-8498-78F83C3A2002}"/>
+              </a:ext>
+            </a:extLst>
+          </p:cNvPr>
+          <p:cNvSpPr/>
+          <p:nvPr/>
+        </p:nvSpPr>
+        <p:spPr>
+          <a:xfrm rot="10800000">
+            <a:off x="5395188" y="1601426"/>
+            <a:ext cx="346772" cy="298941"/>
+          </a:xfrm>
+          <a:prstGeom prst="triangle">
+            <a:avLst/>
+          </a:prstGeom>
+        </p:spPr>
+        <p:style>
+          <a:lnRef idx="2">
+            <a:schemeClr val="accent6">
+              <a:shade val="50000"/>
+            </a:schemeClr>
+          </a:lnRef>
+          <a:fillRef idx="1">
+            <a:schemeClr val="accent6"/>
+          </a:fillRef>
+          <a:effectRef idx="0">
+            <a:schemeClr val="accent6"/>
+          </a:effectRef>
+          <a:fontRef idx="minor">
+            <a:schemeClr val="lt1"/>
+          </a:fontRef>
+        </p:style>
+        <p:txBody>
+          <a:bodyPr rtlCol="0" anchor="ctr"/>
+          <a:lstStyle/>
+          <a:p>
+            <a:pPr algn="ctr"/>
+            <a:endParaRPr kumimoji="1" lang="ja-JP" altLang="en-US"/>
+          </a:p>
+        </p:txBody>
+      </p:sp>
+      <p:sp>
+        <p:nvSpPr>
+          <p:cNvPr id="38" name="テキスト ボックス 37">
+            <a:extLst>
+              <a:ext uri="{FF2B5EF4-FFF2-40B4-BE49-F238E27FC236}">
+                <a16:creationId xmlns:a16="http://schemas.microsoft.com/office/drawing/2014/main" id="{850996CB-1C3A-4B80-B8A4-6532F4CC76CF}"/>
+              </a:ext>
+            </a:extLst>
+          </p:cNvPr>
+          <p:cNvSpPr txBox="1"/>
+          <p:nvPr/>
+        </p:nvSpPr>
+        <p:spPr>
+          <a:xfrm>
+            <a:off x="5384026" y="1323454"/>
+            <a:ext cx="425116" cy="276999"/>
+          </a:xfrm>
+          <a:prstGeom prst="rect">
+            <a:avLst/>
+          </a:prstGeom>
+          <a:noFill/>
+        </p:spPr>
+        <p:txBody>
+          <a:bodyPr wrap="none" rtlCol="0">
+            <a:spAutoFit/>
+          </a:bodyPr>
+          <a:lstStyle/>
+          <a:p>
+            <a:pPr algn="ctr"/>
+            <a:r>
+              <a:rPr kumimoji="1" lang="en-US" altLang="ja-JP" sz="1200" dirty="0"/>
+              <a:t>α</a:t>
+            </a:r>
+            <a:r>
+              <a:rPr kumimoji="1" lang="ja-JP" altLang="en-US" sz="1200" dirty="0"/>
+              <a:t>版</a:t>
+            </a:r>
+          </a:p>
+        </p:txBody>
+      </p:sp>
+      <p:sp>
+        <p:nvSpPr>
+          <p:cNvPr id="39" name="二等辺三角形 38">
+            <a:extLst>
+              <a:ext uri="{FF2B5EF4-FFF2-40B4-BE49-F238E27FC236}">
+                <a16:creationId xmlns:a16="http://schemas.microsoft.com/office/drawing/2014/main" id="{078478F0-A532-42D6-95D0-85EA4CE02225}"/>
+              </a:ext>
+            </a:extLst>
+          </p:cNvPr>
+          <p:cNvSpPr/>
+          <p:nvPr/>
+        </p:nvSpPr>
+        <p:spPr>
+          <a:xfrm rot="10800000">
+            <a:off x="8045326" y="1638122"/>
+            <a:ext cx="346772" cy="298941"/>
+          </a:xfrm>
+          <a:prstGeom prst="triangle">
+            <a:avLst/>
+          </a:prstGeom>
+        </p:spPr>
+        <p:style>
+          <a:lnRef idx="2">
+            <a:schemeClr val="accent2">
+              <a:shade val="50000"/>
+            </a:schemeClr>
+          </a:lnRef>
+          <a:fillRef idx="1">
+            <a:schemeClr val="accent2"/>
+          </a:fillRef>
+          <a:effectRef idx="0">
+            <a:schemeClr val="accent2"/>
+          </a:effectRef>
+          <a:fontRef idx="minor">
+            <a:schemeClr val="lt1"/>
+          </a:fontRef>
+        </p:style>
+        <p:txBody>
+          <a:bodyPr rtlCol="0" anchor="ctr"/>
+          <a:lstStyle/>
+          <a:p>
+            <a:pPr algn="ctr"/>
+            <a:endParaRPr kumimoji="1" lang="ja-JP" altLang="en-US"/>
+          </a:p>
+        </p:txBody>
+      </p:sp>
+      <p:sp>
+        <p:nvSpPr>
+          <p:cNvPr id="40" name="テキスト ボックス 39">
+            <a:extLst>
+              <a:ext uri="{FF2B5EF4-FFF2-40B4-BE49-F238E27FC236}">
+                <a16:creationId xmlns:a16="http://schemas.microsoft.com/office/drawing/2014/main" id="{6D0240FA-7B78-4454-AFC7-2419BAD9E33B}"/>
+              </a:ext>
+            </a:extLst>
+          </p:cNvPr>
+          <p:cNvSpPr txBox="1"/>
+          <p:nvPr/>
+        </p:nvSpPr>
+        <p:spPr>
+          <a:xfrm>
+            <a:off x="8036569" y="1360150"/>
+            <a:ext cx="420308" cy="276999"/>
+          </a:xfrm>
+          <a:prstGeom prst="rect">
+            <a:avLst/>
+          </a:prstGeom>
+          <a:noFill/>
+        </p:spPr>
+        <p:txBody>
+          <a:bodyPr wrap="none" rtlCol="0">
+            <a:spAutoFit/>
+          </a:bodyPr>
+          <a:lstStyle/>
+          <a:p>
+            <a:pPr algn="ctr"/>
+            <a:r>
+              <a:rPr kumimoji="1" lang="en-US" altLang="ja-JP" sz="1200" dirty="0"/>
+              <a:t>β</a:t>
+            </a:r>
+            <a:r>
+              <a:rPr kumimoji="1" lang="ja-JP" altLang="en-US" sz="1200" dirty="0"/>
+              <a:t>版</a:t>
+            </a:r>
+          </a:p>
+        </p:txBody>
+      </p:sp>
+      <p:sp>
+        <p:nvSpPr>
+          <p:cNvPr id="41" name="二等辺三角形 40">
+            <a:extLst>
+              <a:ext uri="{FF2B5EF4-FFF2-40B4-BE49-F238E27FC236}">
+                <a16:creationId xmlns:a16="http://schemas.microsoft.com/office/drawing/2014/main" id="{8B35BCE1-528F-4D73-93E6-485B8DAA7DD4}"/>
+              </a:ext>
+            </a:extLst>
+          </p:cNvPr>
+          <p:cNvSpPr/>
+          <p:nvPr/>
+        </p:nvSpPr>
+        <p:spPr>
+          <a:xfrm rot="10800000">
+            <a:off x="9407602" y="1644618"/>
+            <a:ext cx="346772" cy="298941"/>
+          </a:xfrm>
+          <a:prstGeom prst="triangle">
+            <a:avLst/>
+          </a:prstGeom>
+        </p:spPr>
+        <p:style>
+          <a:lnRef idx="2">
+            <a:schemeClr val="accent2">
+              <a:shade val="50000"/>
+            </a:schemeClr>
+          </a:lnRef>
+          <a:fillRef idx="1">
+            <a:schemeClr val="accent2"/>
+          </a:fillRef>
+          <a:effectRef idx="0">
+            <a:schemeClr val="accent2"/>
+          </a:effectRef>
+          <a:fontRef idx="minor">
+            <a:schemeClr val="lt1"/>
+          </a:fontRef>
+        </p:style>
+        <p:txBody>
+          <a:bodyPr rtlCol="0" anchor="ctr"/>
+          <a:lstStyle/>
+          <a:p>
+            <a:pPr algn="ctr"/>
+            <a:endParaRPr kumimoji="1" lang="ja-JP" altLang="en-US"/>
+          </a:p>
+        </p:txBody>
+      </p:sp>
+      <p:sp>
+        <p:nvSpPr>
+          <p:cNvPr id="42" name="テキスト ボックス 41">
+            <a:extLst>
+              <a:ext uri="{FF2B5EF4-FFF2-40B4-BE49-F238E27FC236}">
+                <a16:creationId xmlns:a16="http://schemas.microsoft.com/office/drawing/2014/main" id="{E89DF8B6-AB1B-4709-9168-D281BA66E897}"/>
+              </a:ext>
+            </a:extLst>
+          </p:cNvPr>
+          <p:cNvSpPr txBox="1"/>
+          <p:nvPr/>
+        </p:nvSpPr>
+        <p:spPr>
+          <a:xfrm>
+            <a:off x="9244157" y="1366646"/>
+            <a:ext cx="729687" cy="276999"/>
+          </a:xfrm>
+          <a:prstGeom prst="rect">
+            <a:avLst/>
+          </a:prstGeom>
+          <a:noFill/>
+        </p:spPr>
+        <p:txBody>
+          <a:bodyPr wrap="none" rtlCol="0">
+            <a:spAutoFit/>
+          </a:bodyPr>
+          <a:lstStyle/>
+          <a:p>
+            <a:pPr algn="ctr"/>
+            <a:r>
+              <a:rPr kumimoji="1" lang="ja-JP" altLang="en-US" sz="1200" dirty="0"/>
+              <a:t>マスター</a:t>
+            </a:r>
+          </a:p>
+        </p:txBody>
+      </p:sp>
+      <p:sp>
+        <p:nvSpPr>
+          <p:cNvPr id="35" name="テキスト ボックス 34">
+            <a:extLst>
+              <a:ext uri="{FF2B5EF4-FFF2-40B4-BE49-F238E27FC236}">
+                <a16:creationId xmlns:a16="http://schemas.microsoft.com/office/drawing/2014/main" id="{52876FBC-AC04-42DE-9B6F-CBAE999E51A4}"/>
+              </a:ext>
+            </a:extLst>
+          </p:cNvPr>
+          <p:cNvSpPr txBox="1"/>
+          <p:nvPr/>
+        </p:nvSpPr>
+        <p:spPr>
+          <a:xfrm>
+            <a:off x="6276558" y="4475691"/>
+            <a:ext cx="5637108" cy="1754326"/>
+          </a:xfrm>
+          <a:prstGeom prst="rect">
+            <a:avLst/>
+          </a:prstGeom>
+          <a:gradFill flip="none" rotWithShape="1">
+            <a:gsLst>
+              <a:gs pos="0">
+                <a:schemeClr val="accent3">
+                  <a:lumMod val="67000"/>
+                </a:schemeClr>
+              </a:gs>
+              <a:gs pos="48000">
+                <a:schemeClr val="accent3">
+                  <a:lumMod val="97000"/>
+                  <a:lumOff val="3000"/>
+                </a:schemeClr>
+              </a:gs>
+              <a:gs pos="100000">
+                <a:schemeClr val="accent3">
+                  <a:lumMod val="60000"/>
+                  <a:lumOff val="40000"/>
+                </a:schemeClr>
+              </a:gs>
+            </a:gsLst>
+            <a:lin ang="16200000" scaled="1"/>
+            <a:tileRect/>
+          </a:gradFill>
+          <a:ln>
+            <a:noFill/>
+          </a:ln>
+        </p:spPr>
+        <p:style>
+          <a:lnRef idx="0">
+            <a:scrgbClr r="0" g="0" b="0"/>
+          </a:lnRef>
+          <a:fillRef idx="0">
+            <a:scrgbClr r="0" g="0" b="0"/>
+          </a:fillRef>
+          <a:effectRef idx="0">
+            <a:scrgbClr r="0" g="0" b="0"/>
+          </a:effectRef>
+          <a:fontRef idx="minor">
+            <a:schemeClr val="lt1"/>
+          </a:fontRef>
+        </p:style>
+        <p:txBody>
+          <a:bodyPr wrap="square" rtlCol="0">
+            <a:spAutoFit/>
+          </a:bodyPr>
+          <a:lstStyle/>
+          <a:p>
+            <a:r>
+              <a:rPr kumimoji="1" lang="en-US" altLang="ja-JP" dirty="0"/>
+              <a:t>translation</a:t>
+            </a:r>
+            <a:r>
+              <a:rPr kumimoji="1" lang="ja-JP" altLang="en-US" dirty="0"/>
+              <a:t>では、体験版や機能限定版、移植、続編などに備えて、プロジェクトのソースコードやリソースを整理し、再利用可能な状態にします。</a:t>
+            </a:r>
+            <a:endParaRPr kumimoji="1" lang="en-US" altLang="ja-JP" dirty="0"/>
+          </a:p>
+          <a:p>
+            <a:r>
+              <a:rPr kumimoji="1" lang="ja-JP" altLang="en-US" dirty="0"/>
+              <a:t>また、各レイヤーのモジュールを精査し、本ゲームに依存しない部分を分離しておきます。分離したモジュールは、チームドメインもしくは企業ドメインとして再利用</a:t>
+            </a:r>
+            <a:r>
+              <a:rPr kumimoji="1" lang="ja-JP" altLang="en-US"/>
+              <a:t>します。</a:t>
+            </a:r>
+            <a:endParaRPr kumimoji="1" lang="en-US" altLang="ja-JP" dirty="0"/>
+          </a:p>
+        </p:txBody>
+      </p:sp>
+      <p:cxnSp>
+        <p:nvCxnSpPr>
+          <p:cNvPr id="44" name="直線矢印コネクタ 43">
+            <a:extLst>
+              <a:ext uri="{FF2B5EF4-FFF2-40B4-BE49-F238E27FC236}">
+                <a16:creationId xmlns:a16="http://schemas.microsoft.com/office/drawing/2014/main" id="{ECD06D17-F34C-4B48-B535-A78A7BB6C11E}"/>
+              </a:ext>
+            </a:extLst>
+          </p:cNvPr>
+          <p:cNvCxnSpPr>
+            <a:stCxn id="32" idx="2"/>
+          </p:cNvCxnSpPr>
+          <p:nvPr/>
+        </p:nvCxnSpPr>
+        <p:spPr>
+          <a:xfrm flipH="1">
+            <a:off x="10817226" y="2799347"/>
+            <a:ext cx="468401" cy="1715866"/>
+          </a:xfrm>
+          <a:prstGeom prst="straightConnector1">
+            <a:avLst/>
+          </a:prstGeom>
+          <a:ln w="50800">
+            <a:tailEnd type="triangle"/>
+          </a:ln>
+        </p:spPr>
+        <p:style>
+          <a:lnRef idx="1">
+            <a:schemeClr val="accent1"/>
+          </a:lnRef>
+          <a:fillRef idx="0">
+            <a:schemeClr val="accent1"/>
+          </a:fillRef>
+          <a:effectRef idx="0">
+            <a:schemeClr val="accent1"/>
+          </a:effectRef>
+          <a:fontRef idx="minor">
+            <a:schemeClr val="tx1"/>
+          </a:fontRef>
+        </p:style>
+      </p:cxnSp>
     </p:spTree>
     <p:extLst>
       <p:ext uri="{BB962C8B-B14F-4D97-AF65-F5344CB8AC3E}">
         <p14:creationId xmlns:p14="http://schemas.microsoft.com/office/powerpoint/2010/main" val="3990624836"/>
+      </p:ext>
+    </p:extLst>
+  </p:cSld>
+  <p:clrMapOvr>
+    <a:masterClrMapping/>
+  </p:clrMapOvr>
+</p:sld>
+</file>
+
+<file path=ppt/slides/slide13.xml><?xml version="1.0" encoding="utf-8"?>
+<p:sld xmlns:a="http://schemas.openxmlformats.org/drawingml/2006/main" xmlns:r="http://schemas.openxmlformats.org/officeDocument/2006/relationships" xmlns:p="http://schemas.openxmlformats.org/presentationml/2006/main">
+  <p:cSld>
+    <p:spTree>
+      <p:nvGrpSpPr>
+        <p:cNvPr id="1" name=""/>
+        <p:cNvGrpSpPr/>
+        <p:nvPr/>
+      </p:nvGrpSpPr>
+      <p:grpSpPr>
+        <a:xfrm>
+          <a:off x="0" y="0"/>
+          <a:ext cx="0" cy="0"/>
+          <a:chOff x="0" y="0"/>
+          <a:chExt cx="0" cy="0"/>
+        </a:xfrm>
+      </p:grpSpPr>
+      <p:sp>
+        <p:nvSpPr>
+          <p:cNvPr id="2" name="タイトル 1">
+            <a:extLst>
+              <a:ext uri="{FF2B5EF4-FFF2-40B4-BE49-F238E27FC236}">
+                <a16:creationId xmlns:a16="http://schemas.microsoft.com/office/drawing/2014/main" id="{6E9ED1EB-907B-4DA3-B69A-F00C545D71BB}"/>
+              </a:ext>
+            </a:extLst>
+          </p:cNvPr>
+          <p:cNvSpPr>
+            <a:spLocks noGrp="1"/>
+          </p:cNvSpPr>
+          <p:nvPr>
+            <p:ph type="title"/>
+          </p:nvPr>
+        </p:nvSpPr>
+        <p:spPr>
+          <a:xfrm>
+            <a:off x="685801" y="609600"/>
+            <a:ext cx="10131425" cy="465221"/>
+          </a:xfrm>
+        </p:spPr>
+        <p:txBody>
+          <a:bodyPr>
+            <a:normAutofit fontScale="90000"/>
+          </a:bodyPr>
+          <a:lstStyle/>
+          <a:p>
+            <a:r>
+              <a:rPr lang="ja-JP" altLang="en-US" dirty="0"/>
+              <a:t>関心毎の分離とドメイン設計</a:t>
+            </a:r>
+            <a:endParaRPr kumimoji="1" lang="ja-JP" altLang="en-US" dirty="0"/>
+          </a:p>
+        </p:txBody>
+      </p:sp>
+      <p:sp>
+        <p:nvSpPr>
+          <p:cNvPr id="3" name="コンテンツ プレースホルダー 2">
+            <a:extLst>
+              <a:ext uri="{FF2B5EF4-FFF2-40B4-BE49-F238E27FC236}">
+                <a16:creationId xmlns:a16="http://schemas.microsoft.com/office/drawing/2014/main" id="{22EEA97D-6C2A-4B7D-BD7B-53F7166D502B}"/>
+              </a:ext>
+            </a:extLst>
+          </p:cNvPr>
+          <p:cNvSpPr>
+            <a:spLocks noGrp="1"/>
+          </p:cNvSpPr>
+          <p:nvPr>
+            <p:ph idx="1"/>
+          </p:nvPr>
+        </p:nvSpPr>
+        <p:spPr>
+          <a:xfrm>
+            <a:off x="6643256" y="1226006"/>
+            <a:ext cx="4957617" cy="5022394"/>
+          </a:xfrm>
+          <a:solidFill>
+            <a:schemeClr val="dk1">
+              <a:alpha val="50000"/>
+            </a:schemeClr>
+          </a:solidFill>
+          <a:ln>
+            <a:noFill/>
+          </a:ln>
+        </p:spPr>
+        <p:style>
+          <a:lnRef idx="0">
+            <a:scrgbClr r="0" g="0" b="0"/>
+          </a:lnRef>
+          <a:fillRef idx="0">
+            <a:scrgbClr r="0" g="0" b="0"/>
+          </a:fillRef>
+          <a:effectRef idx="0">
+            <a:scrgbClr r="0" g="0" b="0"/>
+          </a:effectRef>
+          <a:fontRef idx="minor">
+            <a:schemeClr val="lt1"/>
+          </a:fontRef>
+        </p:style>
+        <p:txBody>
+          <a:bodyPr>
+            <a:normAutofit fontScale="62500" lnSpcReduction="20000"/>
+          </a:bodyPr>
+          <a:lstStyle/>
+          <a:p>
+            <a:r>
+              <a:rPr kumimoji="1" lang="en-US" altLang="ja-JP" dirty="0"/>
+              <a:t>Application</a:t>
+            </a:r>
+            <a:r>
+              <a:rPr kumimoji="1" lang="ja-JP" altLang="en-US" dirty="0"/>
+              <a:t>　</a:t>
+            </a:r>
+            <a:r>
+              <a:rPr lang="ja-JP" altLang="en-US" dirty="0"/>
+              <a:t>ビジネスロジック</a:t>
+            </a:r>
+            <a:r>
+              <a:rPr lang="en-US" altLang="ja-JP" dirty="0"/>
+              <a:t>(</a:t>
+            </a:r>
+            <a:r>
+              <a:rPr lang="ja-JP" altLang="en-US" dirty="0"/>
+              <a:t>ユースケースの集合）</a:t>
+            </a:r>
+            <a:endParaRPr lang="en-US" altLang="ja-JP" dirty="0"/>
+          </a:p>
+          <a:p>
+            <a:pPr lvl="1"/>
+            <a:r>
+              <a:rPr kumimoji="1" lang="en-US" altLang="ja-JP" dirty="0"/>
+              <a:t>Battle</a:t>
+            </a:r>
+          </a:p>
+          <a:p>
+            <a:pPr lvl="1"/>
+            <a:r>
+              <a:rPr kumimoji="1" lang="en-US" altLang="ja-JP" dirty="0"/>
+              <a:t>Event</a:t>
+            </a:r>
+          </a:p>
+          <a:p>
+            <a:pPr lvl="1"/>
+            <a:r>
+              <a:rPr kumimoji="1" lang="en-US" altLang="ja-JP" dirty="0"/>
+              <a:t>Field</a:t>
+            </a:r>
+          </a:p>
+          <a:p>
+            <a:r>
+              <a:rPr lang="en-US" altLang="ja-JP" dirty="0"/>
+              <a:t>Entity</a:t>
+            </a:r>
+            <a:r>
+              <a:rPr lang="ja-JP" altLang="en-US" dirty="0"/>
+              <a:t>　データ</a:t>
+            </a:r>
+            <a:r>
+              <a:rPr lang="en-US" altLang="ja-JP" dirty="0"/>
+              <a:t>(resource)</a:t>
+            </a:r>
+          </a:p>
+          <a:p>
+            <a:pPr lvl="1"/>
+            <a:r>
+              <a:rPr lang="en-US" altLang="ja-JP" dirty="0"/>
+              <a:t>UserData</a:t>
+            </a:r>
+          </a:p>
+          <a:p>
+            <a:pPr lvl="1"/>
+            <a:r>
+              <a:rPr lang="en-US" altLang="ja-JP" dirty="0"/>
+              <a:t>MasterData</a:t>
+            </a:r>
+          </a:p>
+          <a:p>
+            <a:pPr lvl="1"/>
+            <a:r>
+              <a:rPr lang="en-US" altLang="ja-JP" dirty="0"/>
+              <a:t>Map</a:t>
+            </a:r>
+          </a:p>
+          <a:p>
+            <a:r>
+              <a:rPr lang="en-US" altLang="ja-JP" dirty="0"/>
+              <a:t>Domain </a:t>
+            </a:r>
+            <a:r>
+              <a:rPr lang="ja-JP" altLang="en-US" dirty="0"/>
+              <a:t>複数のユースケースから参照されるモジュール群</a:t>
+            </a:r>
+            <a:endParaRPr lang="en-US" altLang="ja-JP" dirty="0"/>
+          </a:p>
+          <a:p>
+            <a:pPr lvl="1"/>
+            <a:r>
+              <a:rPr lang="en-US" altLang="ja-JP" dirty="0"/>
+              <a:t>UI</a:t>
+            </a:r>
+          </a:p>
+          <a:p>
+            <a:pPr lvl="1"/>
+            <a:r>
+              <a:rPr lang="en-US" altLang="ja-JP" dirty="0"/>
+              <a:t>System</a:t>
+            </a:r>
+          </a:p>
+          <a:p>
+            <a:pPr lvl="1"/>
+            <a:r>
+              <a:rPr lang="en-US" altLang="ja-JP" dirty="0"/>
+              <a:t>Utility</a:t>
+            </a:r>
+          </a:p>
+          <a:p>
+            <a:pPr lvl="1"/>
+            <a:r>
+              <a:rPr lang="en-US" altLang="ja-JP" dirty="0"/>
+              <a:t>Network</a:t>
+            </a:r>
+          </a:p>
+          <a:p>
+            <a:pPr lvl="1"/>
+            <a:r>
+              <a:rPr lang="en-US" altLang="ja-JP" dirty="0"/>
+              <a:t>Sound</a:t>
+            </a:r>
+          </a:p>
+          <a:p>
+            <a:r>
+              <a:rPr kumimoji="1" lang="en-US" altLang="ja-JP" dirty="0"/>
+              <a:t>Infrastructure</a:t>
+            </a:r>
+            <a:r>
+              <a:rPr kumimoji="1" lang="ja-JP" altLang="en-US" dirty="0"/>
+              <a:t>　</a:t>
+            </a:r>
+            <a:r>
+              <a:rPr lang="ja-JP" altLang="en-US" dirty="0"/>
+              <a:t>ライブラリや</a:t>
+            </a:r>
+            <a:r>
+              <a:rPr lang="en-US" altLang="ja-JP" dirty="0"/>
+              <a:t>SDK</a:t>
+            </a:r>
+            <a:r>
+              <a:rPr lang="ja-JP" altLang="en-US" dirty="0"/>
+              <a:t>など外部から提供されるもの</a:t>
+            </a:r>
+            <a:endParaRPr kumimoji="1" lang="en-US" altLang="ja-JP" dirty="0"/>
+          </a:p>
+          <a:p>
+            <a:pPr lvl="1"/>
+            <a:r>
+              <a:rPr lang="en-US" altLang="ja-JP" dirty="0"/>
+              <a:t>Filesystem</a:t>
+            </a:r>
+          </a:p>
+          <a:p>
+            <a:pPr lvl="1"/>
+            <a:r>
+              <a:rPr lang="en-US" altLang="ja-JP" dirty="0"/>
+              <a:t>Low level network</a:t>
+            </a:r>
+          </a:p>
+          <a:p>
+            <a:pPr lvl="1"/>
+            <a:r>
+              <a:rPr kumimoji="1" lang="en-US" altLang="ja-JP" dirty="0"/>
+              <a:t>SDK</a:t>
+            </a:r>
+          </a:p>
+          <a:p>
+            <a:pPr lvl="1"/>
+            <a:r>
+              <a:rPr kumimoji="1" lang="en-US" altLang="ja-JP" dirty="0"/>
+              <a:t>HAL</a:t>
+            </a:r>
+          </a:p>
+          <a:p>
+            <a:endParaRPr kumimoji="1" lang="ja-JP" altLang="en-US" dirty="0"/>
+          </a:p>
+        </p:txBody>
+      </p:sp>
+      <p:sp>
+        <p:nvSpPr>
+          <p:cNvPr id="4" name="テキスト ボックス 3">
+            <a:extLst>
+              <a:ext uri="{FF2B5EF4-FFF2-40B4-BE49-F238E27FC236}">
+                <a16:creationId xmlns:a16="http://schemas.microsoft.com/office/drawing/2014/main" id="{767335C9-49F4-46D0-B06F-82F0AF856BF5}"/>
+              </a:ext>
+            </a:extLst>
+          </p:cNvPr>
+          <p:cNvSpPr txBox="1"/>
+          <p:nvPr/>
+        </p:nvSpPr>
+        <p:spPr>
+          <a:xfrm>
+            <a:off x="7553191" y="6248400"/>
+            <a:ext cx="2223686" cy="369332"/>
+          </a:xfrm>
+          <a:prstGeom prst="rect">
+            <a:avLst/>
+          </a:prstGeom>
+          <a:noFill/>
+        </p:spPr>
+        <p:txBody>
+          <a:bodyPr wrap="none" rtlCol="0">
+            <a:spAutoFit/>
+          </a:bodyPr>
+          <a:lstStyle/>
+          <a:p>
+            <a:r>
+              <a:rPr kumimoji="1" lang="ja-JP" altLang="en-US" dirty="0"/>
+              <a:t>プロジェクト構成の例</a:t>
+            </a:r>
+          </a:p>
+        </p:txBody>
+      </p:sp>
+      <p:sp>
+        <p:nvSpPr>
+          <p:cNvPr id="5" name="テキスト ボックス 4">
+            <a:extLst>
+              <a:ext uri="{FF2B5EF4-FFF2-40B4-BE49-F238E27FC236}">
+                <a16:creationId xmlns:a16="http://schemas.microsoft.com/office/drawing/2014/main" id="{2CFA222B-E4D5-4A17-B489-D613F9A56236}"/>
+              </a:ext>
+            </a:extLst>
+          </p:cNvPr>
+          <p:cNvSpPr txBox="1"/>
+          <p:nvPr/>
+        </p:nvSpPr>
+        <p:spPr>
+          <a:xfrm>
+            <a:off x="690415" y="1112792"/>
+            <a:ext cx="5708073" cy="2246769"/>
+          </a:xfrm>
+          <a:prstGeom prst="rect">
+            <a:avLst/>
+          </a:prstGeom>
+          <a:noFill/>
+        </p:spPr>
+        <p:txBody>
+          <a:bodyPr wrap="square" rtlCol="0">
+            <a:spAutoFit/>
+          </a:bodyPr>
+          <a:lstStyle/>
+          <a:p>
+            <a:r>
+              <a:rPr kumimoji="1" lang="ja-JP" altLang="en-US" sz="1400" dirty="0"/>
+              <a:t>企画書・仕様書・要件定義書などから設計に落とし込む際に、「関心毎の分離」に着目します。</a:t>
+            </a:r>
+            <a:endParaRPr kumimoji="1" lang="en-US" altLang="ja-JP" sz="1400" dirty="0"/>
+          </a:p>
+          <a:p>
+            <a:r>
+              <a:rPr kumimoji="1" lang="ja-JP" altLang="en-US" sz="1400" dirty="0"/>
+              <a:t>関心毎の分離とは、それぞれの要件を目的や機能別に分析し、最小単位の機能に分離していきます。</a:t>
+            </a:r>
+            <a:endParaRPr kumimoji="1" lang="en-US" altLang="ja-JP" sz="1400" dirty="0"/>
+          </a:p>
+          <a:p>
+            <a:r>
+              <a:rPr kumimoji="1" lang="ja-JP" altLang="en-US" sz="1400" dirty="0"/>
+              <a:t>そのためには、ユースケース分析の手法が有効です。</a:t>
+            </a:r>
+            <a:endParaRPr kumimoji="1" lang="en-US" altLang="ja-JP" sz="1400" dirty="0"/>
+          </a:p>
+          <a:p>
+            <a:endParaRPr kumimoji="1" lang="en-US" altLang="ja-JP" sz="1400" dirty="0"/>
+          </a:p>
+          <a:p>
+            <a:r>
+              <a:rPr kumimoji="1" lang="ja-JP" altLang="en-US" sz="1400" dirty="0"/>
+              <a:t>プロジェクトの構成は、右の例のように、大きく４つに分類され、依存関係を必ず守るようにします。たとえば、</a:t>
+            </a:r>
+            <a:r>
+              <a:rPr kumimoji="1" lang="en-US" altLang="ja-JP" sz="1400" dirty="0"/>
+              <a:t>Infrastructure</a:t>
+            </a:r>
+            <a:r>
+              <a:rPr kumimoji="1" lang="ja-JP" altLang="en-US" sz="1400" dirty="0"/>
+              <a:t>のコンポーネントから</a:t>
+            </a:r>
+            <a:r>
+              <a:rPr kumimoji="1" lang="en-US" altLang="ja-JP" sz="1400" dirty="0"/>
+              <a:t>Application</a:t>
+            </a:r>
+            <a:r>
+              <a:rPr kumimoji="1" lang="ja-JP" altLang="en-US" sz="1400" dirty="0"/>
+              <a:t>に依存することはできません。依存関係を厳密に実施しないと、単体テストが困難になり、ポータビリティーも失われます。</a:t>
+            </a:r>
+          </a:p>
+        </p:txBody>
+      </p:sp>
+      <p:sp>
+        <p:nvSpPr>
+          <p:cNvPr id="6" name="四角形: 角を丸くする 5">
+            <a:extLst>
+              <a:ext uri="{FF2B5EF4-FFF2-40B4-BE49-F238E27FC236}">
+                <a16:creationId xmlns:a16="http://schemas.microsoft.com/office/drawing/2014/main" id="{7175E9C0-3428-4637-94BB-FA3FB2666428}"/>
+              </a:ext>
+            </a:extLst>
+          </p:cNvPr>
+          <p:cNvSpPr/>
+          <p:nvPr/>
+        </p:nvSpPr>
+        <p:spPr>
+          <a:xfrm>
+            <a:off x="1717964" y="3429000"/>
+            <a:ext cx="3380508" cy="269381"/>
+          </a:xfrm>
+          <a:prstGeom prst="roundRect">
+            <a:avLst/>
+          </a:prstGeom>
+        </p:spPr>
+        <p:style>
+          <a:lnRef idx="0">
+            <a:schemeClr val="accent5"/>
+          </a:lnRef>
+          <a:fillRef idx="3">
+            <a:schemeClr val="accent5"/>
+          </a:fillRef>
+          <a:effectRef idx="3">
+            <a:schemeClr val="accent5"/>
+          </a:effectRef>
+          <a:fontRef idx="minor">
+            <a:schemeClr val="lt1"/>
+          </a:fontRef>
+        </p:style>
+        <p:txBody>
+          <a:bodyPr rtlCol="0" anchor="ctr"/>
+          <a:lstStyle/>
+          <a:p>
+            <a:pPr algn="ctr"/>
+            <a:r>
+              <a:rPr kumimoji="1" lang="en-US" altLang="ja-JP" dirty="0"/>
+              <a:t>Application</a:t>
+            </a:r>
+            <a:endParaRPr kumimoji="1" lang="ja-JP" altLang="en-US" dirty="0"/>
+          </a:p>
+        </p:txBody>
+      </p:sp>
+      <p:sp>
+        <p:nvSpPr>
+          <p:cNvPr id="7" name="四角形: 角を丸くする 6">
+            <a:extLst>
+              <a:ext uri="{FF2B5EF4-FFF2-40B4-BE49-F238E27FC236}">
+                <a16:creationId xmlns:a16="http://schemas.microsoft.com/office/drawing/2014/main" id="{0D781AB9-CA76-416D-9C01-1C8EDD3E4B6B}"/>
+              </a:ext>
+            </a:extLst>
+          </p:cNvPr>
+          <p:cNvSpPr/>
+          <p:nvPr/>
+        </p:nvSpPr>
+        <p:spPr>
+          <a:xfrm>
+            <a:off x="3352797" y="4252443"/>
+            <a:ext cx="1745673" cy="269381"/>
+          </a:xfrm>
+          <a:prstGeom prst="roundRect">
+            <a:avLst/>
+          </a:prstGeom>
+        </p:spPr>
+        <p:style>
+          <a:lnRef idx="0">
+            <a:schemeClr val="accent4"/>
+          </a:lnRef>
+          <a:fillRef idx="3">
+            <a:schemeClr val="accent4"/>
+          </a:fillRef>
+          <a:effectRef idx="3">
+            <a:schemeClr val="accent4"/>
+          </a:effectRef>
+          <a:fontRef idx="minor">
+            <a:schemeClr val="lt1"/>
+          </a:fontRef>
+        </p:style>
+        <p:txBody>
+          <a:bodyPr rtlCol="0" anchor="ctr"/>
+          <a:lstStyle/>
+          <a:p>
+            <a:pPr algn="ctr"/>
+            <a:r>
+              <a:rPr kumimoji="1" lang="en-US" altLang="ja-JP" dirty="0"/>
+              <a:t>Domain</a:t>
+            </a:r>
+            <a:endParaRPr kumimoji="1" lang="ja-JP" altLang="en-US" dirty="0"/>
+          </a:p>
+        </p:txBody>
+      </p:sp>
+      <p:sp>
+        <p:nvSpPr>
+          <p:cNvPr id="8" name="四角形: 角を丸くする 7">
+            <a:extLst>
+              <a:ext uri="{FF2B5EF4-FFF2-40B4-BE49-F238E27FC236}">
+                <a16:creationId xmlns:a16="http://schemas.microsoft.com/office/drawing/2014/main" id="{36EE4392-08D9-4336-A8DF-4B64284FCCF5}"/>
+              </a:ext>
+            </a:extLst>
+          </p:cNvPr>
+          <p:cNvSpPr/>
+          <p:nvPr/>
+        </p:nvSpPr>
+        <p:spPr>
+          <a:xfrm>
+            <a:off x="2558472" y="5075886"/>
+            <a:ext cx="1454725" cy="269381"/>
+          </a:xfrm>
+          <a:prstGeom prst="roundRect">
+            <a:avLst/>
+          </a:prstGeom>
+        </p:spPr>
+        <p:style>
+          <a:lnRef idx="0">
+            <a:schemeClr val="accent6"/>
+          </a:lnRef>
+          <a:fillRef idx="3">
+            <a:schemeClr val="accent6"/>
+          </a:fillRef>
+          <a:effectRef idx="3">
+            <a:schemeClr val="accent6"/>
+          </a:effectRef>
+          <a:fontRef idx="minor">
+            <a:schemeClr val="lt1"/>
+          </a:fontRef>
+        </p:style>
+        <p:txBody>
+          <a:bodyPr rtlCol="0" anchor="ctr"/>
+          <a:lstStyle/>
+          <a:p>
+            <a:pPr algn="ctr"/>
+            <a:r>
+              <a:rPr kumimoji="1" lang="en-US" altLang="ja-JP" dirty="0"/>
+              <a:t>Entity</a:t>
+            </a:r>
+            <a:endParaRPr kumimoji="1" lang="ja-JP" altLang="en-US" dirty="0"/>
+          </a:p>
+        </p:txBody>
+      </p:sp>
+      <p:sp>
+        <p:nvSpPr>
+          <p:cNvPr id="9" name="四角形: 角を丸くする 8">
+            <a:extLst>
+              <a:ext uri="{FF2B5EF4-FFF2-40B4-BE49-F238E27FC236}">
+                <a16:creationId xmlns:a16="http://schemas.microsoft.com/office/drawing/2014/main" id="{9C0FA0E5-8D8E-4409-8858-FAFE2A9FDF0A}"/>
+              </a:ext>
+            </a:extLst>
+          </p:cNvPr>
+          <p:cNvSpPr/>
+          <p:nvPr/>
+        </p:nvSpPr>
+        <p:spPr>
+          <a:xfrm>
+            <a:off x="1717964" y="5899329"/>
+            <a:ext cx="3380507" cy="269381"/>
+          </a:xfrm>
+          <a:prstGeom prst="roundRect">
+            <a:avLst/>
+          </a:prstGeom>
+        </p:spPr>
+        <p:style>
+          <a:lnRef idx="0">
+            <a:schemeClr val="dk1"/>
+          </a:lnRef>
+          <a:fillRef idx="3">
+            <a:schemeClr val="dk1"/>
+          </a:fillRef>
+          <a:effectRef idx="3">
+            <a:schemeClr val="dk1"/>
+          </a:effectRef>
+          <a:fontRef idx="minor">
+            <a:schemeClr val="lt1"/>
+          </a:fontRef>
+        </p:style>
+        <p:txBody>
+          <a:bodyPr rtlCol="0" anchor="ctr"/>
+          <a:lstStyle/>
+          <a:p>
+            <a:pPr algn="ctr"/>
+            <a:r>
+              <a:rPr kumimoji="1" lang="en-US" altLang="ja-JP" dirty="0"/>
+              <a:t>Infrastructure</a:t>
+            </a:r>
+            <a:endParaRPr kumimoji="1" lang="ja-JP" altLang="en-US" dirty="0"/>
+          </a:p>
+        </p:txBody>
+      </p:sp>
+      <p:sp>
+        <p:nvSpPr>
+          <p:cNvPr id="14" name="矢印: 下 13">
+            <a:extLst>
+              <a:ext uri="{FF2B5EF4-FFF2-40B4-BE49-F238E27FC236}">
+                <a16:creationId xmlns:a16="http://schemas.microsoft.com/office/drawing/2014/main" id="{9AB06906-135A-41AD-B096-3BDB86638E07}"/>
+              </a:ext>
+            </a:extLst>
+          </p:cNvPr>
+          <p:cNvSpPr/>
+          <p:nvPr/>
+        </p:nvSpPr>
+        <p:spPr>
+          <a:xfrm>
+            <a:off x="1854193" y="3769060"/>
+            <a:ext cx="424872" cy="2061064"/>
+          </a:xfrm>
+          <a:prstGeom prst="downArrow">
+            <a:avLst/>
+          </a:prstGeom>
+          <a:noFill/>
+          <a:ln w="9525" cap="flat" cmpd="sng" algn="ctr">
+            <a:solidFill>
+              <a:schemeClr val="accent1"/>
+            </a:solidFill>
+            <a:prstDash val="solid"/>
+            <a:round/>
+            <a:headEnd type="none" w="med" len="med"/>
+            <a:tailEnd type="none" w="med" len="med"/>
+          </a:ln>
+        </p:spPr>
+        <p:style>
+          <a:lnRef idx="0">
+            <a:scrgbClr r="0" g="0" b="0"/>
+          </a:lnRef>
+          <a:fillRef idx="0">
+            <a:scrgbClr r="0" g="0" b="0"/>
+          </a:fillRef>
+          <a:effectRef idx="0">
+            <a:scrgbClr r="0" g="0" b="0"/>
+          </a:effectRef>
+          <a:fontRef idx="minor">
+            <a:schemeClr val="accent1"/>
+          </a:fontRef>
+        </p:style>
+        <p:txBody>
+          <a:bodyPr rtlCol="0" anchor="ctr"/>
+          <a:lstStyle/>
+          <a:p>
+            <a:pPr algn="ctr"/>
+            <a:r>
+              <a:rPr kumimoji="1" lang="ja-JP" altLang="en-US" sz="1200" dirty="0"/>
+              <a:t>依存</a:t>
+            </a:r>
+          </a:p>
+        </p:txBody>
+      </p:sp>
+      <p:sp>
+        <p:nvSpPr>
+          <p:cNvPr id="15" name="矢印: 下 14">
+            <a:extLst>
+              <a:ext uri="{FF2B5EF4-FFF2-40B4-BE49-F238E27FC236}">
+                <a16:creationId xmlns:a16="http://schemas.microsoft.com/office/drawing/2014/main" id="{9EF68BA5-4754-406F-9731-24B1526E1E40}"/>
+              </a:ext>
+            </a:extLst>
+          </p:cNvPr>
+          <p:cNvSpPr/>
+          <p:nvPr/>
+        </p:nvSpPr>
+        <p:spPr>
+          <a:xfrm>
+            <a:off x="2744346" y="3767586"/>
+            <a:ext cx="424872" cy="1194320"/>
+          </a:xfrm>
+          <a:prstGeom prst="downArrow">
+            <a:avLst/>
+          </a:prstGeom>
+        </p:spPr>
+        <p:style>
+          <a:lnRef idx="2">
+            <a:schemeClr val="accent1">
+              <a:shade val="50000"/>
+            </a:schemeClr>
+          </a:lnRef>
+          <a:fillRef idx="1">
+            <a:schemeClr val="accent1"/>
+          </a:fillRef>
+          <a:effectRef idx="0">
+            <a:schemeClr val="accent1"/>
+          </a:effectRef>
+          <a:fontRef idx="minor">
+            <a:schemeClr val="lt1"/>
+          </a:fontRef>
+        </p:style>
+        <p:txBody>
+          <a:bodyPr rtlCol="0" anchor="ctr"/>
+          <a:lstStyle/>
+          <a:p>
+            <a:pPr algn="ctr"/>
+            <a:r>
+              <a:rPr kumimoji="1" lang="ja-JP" altLang="en-US" sz="1200" dirty="0"/>
+              <a:t>依存</a:t>
+            </a:r>
+          </a:p>
+        </p:txBody>
+      </p:sp>
+      <p:sp>
+        <p:nvSpPr>
+          <p:cNvPr id="16" name="矢印: 下 15">
+            <a:extLst>
+              <a:ext uri="{FF2B5EF4-FFF2-40B4-BE49-F238E27FC236}">
+                <a16:creationId xmlns:a16="http://schemas.microsoft.com/office/drawing/2014/main" id="{DB08EA4E-188E-45AC-A67F-34A65831D9BC}"/>
+              </a:ext>
+            </a:extLst>
+          </p:cNvPr>
+          <p:cNvSpPr/>
+          <p:nvPr/>
+        </p:nvSpPr>
+        <p:spPr>
+          <a:xfrm>
+            <a:off x="4013197" y="3724667"/>
+            <a:ext cx="424872" cy="527776"/>
+          </a:xfrm>
+          <a:prstGeom prst="downArrow">
+            <a:avLst/>
+          </a:prstGeom>
+        </p:spPr>
+        <p:style>
+          <a:lnRef idx="2">
+            <a:schemeClr val="accent1">
+              <a:shade val="50000"/>
+            </a:schemeClr>
+          </a:lnRef>
+          <a:fillRef idx="1">
+            <a:schemeClr val="accent1"/>
+          </a:fillRef>
+          <a:effectRef idx="0">
+            <a:schemeClr val="accent1"/>
+          </a:effectRef>
+          <a:fontRef idx="minor">
+            <a:schemeClr val="lt1"/>
+          </a:fontRef>
+        </p:style>
+        <p:txBody>
+          <a:bodyPr rtlCol="0" anchor="ctr"/>
+          <a:lstStyle/>
+          <a:p>
+            <a:pPr algn="ctr"/>
+            <a:r>
+              <a:rPr kumimoji="1" lang="ja-JP" altLang="en-US" sz="1200" dirty="0"/>
+              <a:t>依存</a:t>
+            </a:r>
+          </a:p>
+        </p:txBody>
+      </p:sp>
+      <p:sp>
+        <p:nvSpPr>
+          <p:cNvPr id="17" name="矢印: 下 16">
+            <a:extLst>
+              <a:ext uri="{FF2B5EF4-FFF2-40B4-BE49-F238E27FC236}">
+                <a16:creationId xmlns:a16="http://schemas.microsoft.com/office/drawing/2014/main" id="{90C629E0-0ADF-4371-AE74-958D57A17EA8}"/>
+              </a:ext>
+            </a:extLst>
+          </p:cNvPr>
+          <p:cNvSpPr/>
+          <p:nvPr/>
+        </p:nvSpPr>
+        <p:spPr>
+          <a:xfrm>
+            <a:off x="3422063" y="4531060"/>
+            <a:ext cx="424872" cy="527776"/>
+          </a:xfrm>
+          <a:prstGeom prst="downArrow">
+            <a:avLst/>
+          </a:prstGeom>
+        </p:spPr>
+        <p:style>
+          <a:lnRef idx="2">
+            <a:schemeClr val="accent1">
+              <a:shade val="50000"/>
+            </a:schemeClr>
+          </a:lnRef>
+          <a:fillRef idx="1">
+            <a:schemeClr val="accent1"/>
+          </a:fillRef>
+          <a:effectRef idx="0">
+            <a:schemeClr val="accent1"/>
+          </a:effectRef>
+          <a:fontRef idx="minor">
+            <a:schemeClr val="lt1"/>
+          </a:fontRef>
+        </p:style>
+        <p:txBody>
+          <a:bodyPr rtlCol="0" anchor="ctr"/>
+          <a:lstStyle/>
+          <a:p>
+            <a:pPr algn="ctr"/>
+            <a:r>
+              <a:rPr kumimoji="1" lang="ja-JP" altLang="en-US" sz="1200" dirty="0"/>
+              <a:t>依存</a:t>
+            </a:r>
+          </a:p>
+        </p:txBody>
+      </p:sp>
+      <p:sp>
+        <p:nvSpPr>
+          <p:cNvPr id="18" name="矢印: 下 17">
+            <a:extLst>
+              <a:ext uri="{FF2B5EF4-FFF2-40B4-BE49-F238E27FC236}">
+                <a16:creationId xmlns:a16="http://schemas.microsoft.com/office/drawing/2014/main" id="{00156603-EA5B-4F0E-B499-ECC8676DA0AA}"/>
+              </a:ext>
+            </a:extLst>
+          </p:cNvPr>
+          <p:cNvSpPr/>
+          <p:nvPr/>
+        </p:nvSpPr>
+        <p:spPr>
+          <a:xfrm>
+            <a:off x="4225633" y="4591029"/>
+            <a:ext cx="424872" cy="1258890"/>
+          </a:xfrm>
+          <a:prstGeom prst="downArrow">
+            <a:avLst/>
+          </a:prstGeom>
+        </p:spPr>
+        <p:style>
+          <a:lnRef idx="2">
+            <a:schemeClr val="accent1">
+              <a:shade val="50000"/>
+            </a:schemeClr>
+          </a:lnRef>
+          <a:fillRef idx="1">
+            <a:schemeClr val="accent1"/>
+          </a:fillRef>
+          <a:effectRef idx="0">
+            <a:schemeClr val="accent1"/>
+          </a:effectRef>
+          <a:fontRef idx="minor">
+            <a:schemeClr val="lt1"/>
+          </a:fontRef>
+        </p:style>
+        <p:txBody>
+          <a:bodyPr rtlCol="0" anchor="ctr"/>
+          <a:lstStyle/>
+          <a:p>
+            <a:pPr algn="ctr"/>
+            <a:r>
+              <a:rPr kumimoji="1" lang="ja-JP" altLang="en-US" sz="1200" dirty="0"/>
+              <a:t>依存</a:t>
+            </a:r>
+          </a:p>
+        </p:txBody>
+      </p:sp>
+      <p:sp>
+        <p:nvSpPr>
+          <p:cNvPr id="19" name="矢印: 下 18">
+            <a:extLst>
+              <a:ext uri="{FF2B5EF4-FFF2-40B4-BE49-F238E27FC236}">
+                <a16:creationId xmlns:a16="http://schemas.microsoft.com/office/drawing/2014/main" id="{8B640001-F89C-4B4C-881E-918B0B62D823}"/>
+              </a:ext>
+            </a:extLst>
+          </p:cNvPr>
+          <p:cNvSpPr/>
+          <p:nvPr/>
+        </p:nvSpPr>
+        <p:spPr>
+          <a:xfrm>
+            <a:off x="3073398" y="5358410"/>
+            <a:ext cx="424872" cy="527776"/>
+          </a:xfrm>
+          <a:prstGeom prst="downArrow">
+            <a:avLst/>
+          </a:prstGeom>
+          <a:noFill/>
+          <a:ln w="9525" cap="flat" cmpd="sng" algn="ctr">
+            <a:solidFill>
+              <a:schemeClr val="accent1"/>
+            </a:solidFill>
+            <a:prstDash val="solid"/>
+            <a:round/>
+            <a:headEnd type="none" w="med" len="med"/>
+            <a:tailEnd type="none" w="med" len="med"/>
+          </a:ln>
+        </p:spPr>
+        <p:style>
+          <a:lnRef idx="0">
+            <a:scrgbClr r="0" g="0" b="0"/>
+          </a:lnRef>
+          <a:fillRef idx="0">
+            <a:scrgbClr r="0" g="0" b="0"/>
+          </a:fillRef>
+          <a:effectRef idx="0">
+            <a:scrgbClr r="0" g="0" b="0"/>
+          </a:effectRef>
+          <a:fontRef idx="minor">
+            <a:schemeClr val="accent1"/>
+          </a:fontRef>
+        </p:style>
+        <p:txBody>
+          <a:bodyPr rtlCol="0" anchor="ctr"/>
+          <a:lstStyle/>
+          <a:p>
+            <a:pPr algn="ctr"/>
+            <a:r>
+              <a:rPr kumimoji="1" lang="ja-JP" altLang="en-US" sz="1200" dirty="0"/>
+              <a:t>依存</a:t>
+            </a:r>
+          </a:p>
+        </p:txBody>
+      </p:sp>
+      <p:sp>
+        <p:nvSpPr>
+          <p:cNvPr id="20" name="テキスト ボックス 19">
+            <a:extLst>
+              <a:ext uri="{FF2B5EF4-FFF2-40B4-BE49-F238E27FC236}">
+                <a16:creationId xmlns:a16="http://schemas.microsoft.com/office/drawing/2014/main" id="{C014D077-A8AB-4749-90DB-E3D3E1CA8010}"/>
+              </a:ext>
+            </a:extLst>
+          </p:cNvPr>
+          <p:cNvSpPr txBox="1"/>
+          <p:nvPr/>
+        </p:nvSpPr>
+        <p:spPr>
+          <a:xfrm>
+            <a:off x="1598557" y="6168710"/>
+            <a:ext cx="3942105" cy="523220"/>
+          </a:xfrm>
+          <a:prstGeom prst="rect">
+            <a:avLst/>
+          </a:prstGeom>
+          <a:noFill/>
+        </p:spPr>
+        <p:txBody>
+          <a:bodyPr wrap="none" rtlCol="0">
+            <a:spAutoFit/>
+          </a:bodyPr>
+          <a:lstStyle/>
+          <a:p>
+            <a:r>
+              <a:rPr kumimoji="1" lang="ja-JP" altLang="en-US" sz="1400" dirty="0"/>
+              <a:t>図の上から下への依存のみにします。</a:t>
+            </a:r>
+            <a:endParaRPr kumimoji="1" lang="en-US" altLang="ja-JP" sz="1400" dirty="0"/>
+          </a:p>
+          <a:p>
+            <a:r>
+              <a:rPr kumimoji="1" lang="ja-JP" altLang="en-US" sz="1400" dirty="0"/>
+              <a:t>薄い字はできるだけ依存度を下げるようにします。</a:t>
+            </a:r>
+          </a:p>
+        </p:txBody>
+      </p:sp>
+    </p:spTree>
+    <p:extLst>
+      <p:ext uri="{BB962C8B-B14F-4D97-AF65-F5344CB8AC3E}">
+        <p14:creationId xmlns:p14="http://schemas.microsoft.com/office/powerpoint/2010/main" val="3596938030"/>
+      </p:ext>
+    </p:extLst>
+  </p:cSld>
+  <p:clrMapOvr>
+    <a:masterClrMapping/>
+  </p:clrMapOvr>
+</p:sld>
+</file>
+
+<file path=ppt/slides/slide14.xml><?xml version="1.0" encoding="utf-8"?>
+<p:sld xmlns:a="http://schemas.openxmlformats.org/drawingml/2006/main" xmlns:r="http://schemas.openxmlformats.org/officeDocument/2006/relationships" xmlns:p="http://schemas.openxmlformats.org/presentationml/2006/main">
+  <p:cSld>
+    <p:spTree>
+      <p:nvGrpSpPr>
+        <p:cNvPr id="1" name=""/>
+        <p:cNvGrpSpPr/>
+        <p:nvPr/>
+      </p:nvGrpSpPr>
+      <p:grpSpPr>
+        <a:xfrm>
+          <a:off x="0" y="0"/>
+          <a:ext cx="0" cy="0"/>
+          <a:chOff x="0" y="0"/>
+          <a:chExt cx="0" cy="0"/>
+        </a:xfrm>
+      </p:grpSpPr>
+      <p:sp>
+        <p:nvSpPr>
+          <p:cNvPr id="2" name="タイトル 1">
+            <a:extLst>
+              <a:ext uri="{FF2B5EF4-FFF2-40B4-BE49-F238E27FC236}">
+                <a16:creationId xmlns:a16="http://schemas.microsoft.com/office/drawing/2014/main" id="{729341D5-BD77-4865-A50F-6F317D8A29E6}"/>
+              </a:ext>
+            </a:extLst>
+          </p:cNvPr>
+          <p:cNvSpPr>
+            <a:spLocks noGrp="1"/>
+          </p:cNvSpPr>
+          <p:nvPr>
+            <p:ph type="title"/>
+          </p:nvPr>
+        </p:nvSpPr>
+        <p:spPr/>
+        <p:txBody>
+          <a:bodyPr/>
+          <a:lstStyle/>
+          <a:p>
+            <a:endParaRPr kumimoji="1" lang="ja-JP" altLang="en-US"/>
+          </a:p>
+        </p:txBody>
+      </p:sp>
+      <p:sp>
+        <p:nvSpPr>
+          <p:cNvPr id="3" name="コンテンツ プレースホルダー 2">
+            <a:extLst>
+              <a:ext uri="{FF2B5EF4-FFF2-40B4-BE49-F238E27FC236}">
+                <a16:creationId xmlns:a16="http://schemas.microsoft.com/office/drawing/2014/main" id="{A795CDC7-DEF3-42FB-92E1-6EF20ADD13B1}"/>
+              </a:ext>
+            </a:extLst>
+          </p:cNvPr>
+          <p:cNvSpPr>
+            <a:spLocks noGrp="1"/>
+          </p:cNvSpPr>
+          <p:nvPr>
+            <p:ph idx="1"/>
+          </p:nvPr>
+        </p:nvSpPr>
+        <p:spPr/>
+        <p:txBody>
+          <a:bodyPr/>
+          <a:lstStyle/>
+          <a:p>
+            <a:endParaRPr kumimoji="1" lang="ja-JP" altLang="en-US"/>
+          </a:p>
+        </p:txBody>
+      </p:sp>
+    </p:spTree>
+    <p:extLst>
+      <p:ext uri="{BB962C8B-B14F-4D97-AF65-F5344CB8AC3E}">
+        <p14:creationId xmlns:p14="http://schemas.microsoft.com/office/powerpoint/2010/main" val="1706450186"/>
+      </p:ext>
+    </p:extLst>
+  </p:cSld>
+  <p:clrMapOvr>
+    <a:masterClrMapping/>
+  </p:clrMapOvr>
+</p:sld>
+</file>
+
+<file path=ppt/slides/slide15.xml><?xml version="1.0" encoding="utf-8"?>
+<p:sld xmlns:a="http://schemas.openxmlformats.org/drawingml/2006/main" xmlns:r="http://schemas.openxmlformats.org/officeDocument/2006/relationships" xmlns:p="http://schemas.openxmlformats.org/presentationml/2006/main">
+  <p:cSld>
+    <p:spTree>
+      <p:nvGrpSpPr>
+        <p:cNvPr id="1" name=""/>
+        <p:cNvGrpSpPr/>
+        <p:nvPr/>
+      </p:nvGrpSpPr>
+      <p:grpSpPr>
+        <a:xfrm>
+          <a:off x="0" y="0"/>
+          <a:ext cx="0" cy="0"/>
+          <a:chOff x="0" y="0"/>
+          <a:chExt cx="0" cy="0"/>
+        </a:xfrm>
+      </p:grpSpPr>
+      <p:sp>
+        <p:nvSpPr>
+          <p:cNvPr id="2" name="タイトル 1">
+            <a:extLst>
+              <a:ext uri="{FF2B5EF4-FFF2-40B4-BE49-F238E27FC236}">
+                <a16:creationId xmlns:a16="http://schemas.microsoft.com/office/drawing/2014/main" id="{2E86EC57-CC2C-4014-A387-FA6760CF0020}"/>
+              </a:ext>
+            </a:extLst>
+          </p:cNvPr>
+          <p:cNvSpPr>
+            <a:spLocks noGrp="1"/>
+          </p:cNvSpPr>
+          <p:nvPr>
+            <p:ph type="title"/>
+          </p:nvPr>
+        </p:nvSpPr>
+        <p:spPr/>
+        <p:txBody>
+          <a:bodyPr/>
+          <a:lstStyle/>
+          <a:p>
+            <a:r>
+              <a:rPr lang="ja-JP" altLang="en-US" dirty="0"/>
+              <a:t>参考資料</a:t>
+            </a:r>
+            <a:endParaRPr kumimoji="1" lang="ja-JP" altLang="en-US" dirty="0"/>
+          </a:p>
+        </p:txBody>
+      </p:sp>
+      <p:sp>
+        <p:nvSpPr>
+          <p:cNvPr id="3" name="コンテンツ プレースホルダー 2">
+            <a:extLst>
+              <a:ext uri="{FF2B5EF4-FFF2-40B4-BE49-F238E27FC236}">
+                <a16:creationId xmlns:a16="http://schemas.microsoft.com/office/drawing/2014/main" id="{75D8D95A-C7F2-4388-8E9D-F0CB34B3DE48}"/>
+              </a:ext>
+            </a:extLst>
+          </p:cNvPr>
+          <p:cNvSpPr>
+            <a:spLocks noGrp="1"/>
+          </p:cNvSpPr>
+          <p:nvPr>
+            <p:ph idx="1"/>
+          </p:nvPr>
+        </p:nvSpPr>
+        <p:spPr/>
+        <p:txBody>
+          <a:bodyPr/>
+          <a:lstStyle/>
+          <a:p>
+            <a:r>
+              <a:rPr lang="ja-JP" altLang="en-US" dirty="0"/>
+              <a:t>参考資料</a:t>
+            </a:r>
+            <a:endParaRPr lang="en-US" altLang="ja-JP" dirty="0"/>
+          </a:p>
+          <a:p>
+            <a:pPr lvl="1"/>
+            <a:r>
+              <a:rPr lang="ja-JP" altLang="en-US" dirty="0"/>
+              <a:t>ゲームプログラマのためのオブジェクト指向超入門</a:t>
+            </a:r>
+            <a:r>
+              <a:rPr lang="en-US" altLang="ja-JP" dirty="0"/>
+              <a:t>.pptx</a:t>
+            </a:r>
+          </a:p>
+          <a:p>
+            <a:pPr lvl="1"/>
+            <a:r>
+              <a:rPr lang="en-US" altLang="ja-JP" dirty="0"/>
+              <a:t>UML</a:t>
+            </a:r>
+            <a:r>
+              <a:rPr lang="ja-JP" altLang="en-US" dirty="0"/>
+              <a:t>とオブジェクト指向と開発プロセスについて</a:t>
+            </a:r>
+            <a:r>
+              <a:rPr lang="en-US" altLang="ja-JP" dirty="0"/>
+              <a:t>.pptx</a:t>
+            </a:r>
+          </a:p>
+          <a:p>
+            <a:pPr lvl="1"/>
+            <a:r>
+              <a:rPr lang="ja-JP" altLang="en-US" dirty="0"/>
+              <a:t>スマート</a:t>
+            </a:r>
+            <a:r>
+              <a:rPr lang="en-US" altLang="ja-JP" dirty="0"/>
+              <a:t>UI</a:t>
+            </a:r>
+            <a:r>
+              <a:rPr lang="ja-JP" altLang="en-US" dirty="0"/>
+              <a:t>とカウボーイコーディング</a:t>
+            </a:r>
+            <a:r>
+              <a:rPr lang="en-US" altLang="ja-JP" dirty="0"/>
+              <a:t>.pptx</a:t>
+            </a:r>
+          </a:p>
+          <a:p>
+            <a:r>
+              <a:rPr lang="ja-JP" altLang="en-US" dirty="0"/>
+              <a:t>参考文献</a:t>
+            </a:r>
+            <a:endParaRPr lang="en-US" altLang="ja-JP" dirty="0"/>
+          </a:p>
+          <a:p>
+            <a:pPr lvl="1"/>
+            <a:r>
+              <a:rPr lang="ja-JP" altLang="en-US" dirty="0"/>
+              <a:t>アジャイルサムライ </a:t>
+            </a:r>
+            <a:r>
+              <a:rPr lang="en-US" altLang="ja-JP" dirty="0"/>
+              <a:t>Jonathan </a:t>
+            </a:r>
+            <a:r>
+              <a:rPr lang="en-US" altLang="ja-JP" dirty="0" err="1"/>
+              <a:t>Rasmusson</a:t>
+            </a:r>
+            <a:r>
+              <a:rPr lang="ja-JP" altLang="en-US" dirty="0"/>
+              <a:t>著 </a:t>
+            </a:r>
+            <a:r>
+              <a:rPr lang="en-US" altLang="ja-JP" dirty="0"/>
+              <a:t>ISBN978-4-274-06856-0</a:t>
+            </a:r>
+          </a:p>
+          <a:p>
+            <a:pPr lvl="1"/>
+            <a:r>
+              <a:rPr lang="ja-JP" altLang="en-US" dirty="0"/>
+              <a:t>ユースケースによるアスペクト指向ソフトウエア開発 イバー・ヤコブソン著 </a:t>
+            </a:r>
+            <a:r>
+              <a:rPr lang="en-US" altLang="ja-JP" dirty="0"/>
+              <a:t>ISBN4-7981-0896-0</a:t>
+            </a:r>
+          </a:p>
+          <a:p>
+            <a:pPr lvl="1"/>
+            <a:r>
+              <a:rPr lang="ja-JP" altLang="en-US" dirty="0"/>
+              <a:t>ドメイン駆動設計 エリック・エヴァンス著 </a:t>
+            </a:r>
+            <a:r>
+              <a:rPr lang="en-US" altLang="ja-JP" dirty="0"/>
+              <a:t>ISBN978-4-7981-2196-3</a:t>
+            </a:r>
+          </a:p>
+          <a:p>
+            <a:endParaRPr kumimoji="1" lang="ja-JP" altLang="en-US" dirty="0"/>
+          </a:p>
+        </p:txBody>
+      </p:sp>
+    </p:spTree>
+    <p:extLst>
+      <p:ext uri="{BB962C8B-B14F-4D97-AF65-F5344CB8AC3E}">
+        <p14:creationId xmlns:p14="http://schemas.microsoft.com/office/powerpoint/2010/main" val="2439827055"/>
       </p:ext>
     </p:extLst>
   </p:cSld>
@@ -14076,8 +15787,8 @@
         </p:nvSpPr>
         <p:spPr>
           <a:xfrm>
-            <a:off x="2252141" y="5419164"/>
-            <a:ext cx="2252547" cy="764271"/>
+            <a:off x="1809139" y="5421672"/>
+            <a:ext cx="1941168" cy="764271"/>
           </a:xfrm>
           <a:prstGeom prst="roundRect">
             <a:avLst/>
@@ -14150,8 +15861,8 @@
         </p:nvSpPr>
         <p:spPr>
           <a:xfrm>
-            <a:off x="5858147" y="5419165"/>
-            <a:ext cx="2252547" cy="764271"/>
+            <a:off x="4537908" y="5421673"/>
+            <a:ext cx="1941168" cy="764271"/>
           </a:xfrm>
           <a:prstGeom prst="roundRect">
             <a:avLst/>
@@ -14223,8 +15934,8 @@
         </p:nvSpPr>
         <p:spPr>
           <a:xfrm>
-            <a:off x="9464153" y="5419167"/>
-            <a:ext cx="2252547" cy="764271"/>
+            <a:off x="7212991" y="5421675"/>
+            <a:ext cx="1941168" cy="764271"/>
           </a:xfrm>
           <a:prstGeom prst="roundRect">
             <a:avLst/>
@@ -14489,7 +16200,7 @@
         </p:nvSpPr>
         <p:spPr>
           <a:xfrm>
-            <a:off x="8501209" y="5576886"/>
+            <a:off x="6559819" y="5576886"/>
             <a:ext cx="572429" cy="383427"/>
           </a:xfrm>
           <a:prstGeom prst="rightArrow">
@@ -14535,7 +16246,7 @@
         </p:nvSpPr>
         <p:spPr>
           <a:xfrm>
-            <a:off x="4895203" y="5579540"/>
+            <a:off x="3884736" y="5579540"/>
             <a:ext cx="572429" cy="383427"/>
           </a:xfrm>
           <a:prstGeom prst="rightArrow">
@@ -14636,12 +16347,12 @@
         </p:nvSpPr>
         <p:spPr>
           <a:xfrm flipV="1">
-            <a:off x="1084572" y="5113768"/>
-            <a:ext cx="851739" cy="838188"/>
+            <a:off x="1084573" y="5187684"/>
+            <a:ext cx="688810" cy="764272"/>
           </a:xfrm>
           <a:prstGeom prst="bentArrow">
             <a:avLst>
-              <a:gd name="adj1" fmla="val 27661"/>
+              <a:gd name="adj1" fmla="val 31684"/>
               <a:gd name="adj2" fmla="val 25000"/>
               <a:gd name="adj3" fmla="val 25000"/>
               <a:gd name="adj4" fmla="val 43750"/>
@@ -14831,6 +16542,125 @@
           </a:p>
         </p:txBody>
       </p:sp>
+      <p:sp>
+        <p:nvSpPr>
+          <p:cNvPr id="26" name="四角形: 角を丸くする 25">
+            <a:extLst>
+              <a:ext uri="{FF2B5EF4-FFF2-40B4-BE49-F238E27FC236}">
+                <a16:creationId xmlns:a16="http://schemas.microsoft.com/office/drawing/2014/main" id="{468E8776-F0DF-463A-A89C-FD577F545C4E}"/>
+              </a:ext>
+            </a:extLst>
+          </p:cNvPr>
+          <p:cNvSpPr/>
+          <p:nvPr/>
+        </p:nvSpPr>
+        <p:spPr>
+          <a:xfrm>
+            <a:off x="9888617" y="5421672"/>
+            <a:ext cx="1941168" cy="764271"/>
+          </a:xfrm>
+          <a:prstGeom prst="roundRect">
+            <a:avLst/>
+          </a:prstGeom>
+          <a:gradFill flip="none" rotWithShape="1">
+            <a:gsLst>
+              <a:gs pos="0">
+                <a:schemeClr val="accent6">
+                  <a:lumMod val="67000"/>
+                </a:schemeClr>
+              </a:gs>
+              <a:gs pos="48000">
+                <a:schemeClr val="accent6">
+                  <a:lumMod val="97000"/>
+                  <a:lumOff val="3000"/>
+                </a:schemeClr>
+              </a:gs>
+              <a:gs pos="100000">
+                <a:schemeClr val="accent6">
+                  <a:lumMod val="60000"/>
+                  <a:lumOff val="40000"/>
+                </a:schemeClr>
+              </a:gs>
+            </a:gsLst>
+            <a:lin ang="16200000" scaled="1"/>
+            <a:tileRect/>
+          </a:gradFill>
+          <a:ln>
+            <a:noFill/>
+          </a:ln>
+        </p:spPr>
+        <p:style>
+          <a:lnRef idx="0">
+            <a:scrgbClr r="0" g="0" b="0"/>
+          </a:lnRef>
+          <a:fillRef idx="0">
+            <a:scrgbClr r="0" g="0" b="0"/>
+          </a:fillRef>
+          <a:effectRef idx="0">
+            <a:scrgbClr r="0" g="0" b="0"/>
+          </a:effectRef>
+          <a:fontRef idx="minor">
+            <a:schemeClr val="lt1"/>
+          </a:fontRef>
+        </p:style>
+        <p:txBody>
+          <a:bodyPr rtlCol="0" anchor="ctr"/>
+          <a:lstStyle/>
+          <a:p>
+            <a:pPr algn="ctr"/>
+            <a:r>
+              <a:rPr kumimoji="1" lang="ja-JP" altLang="en-US" dirty="0"/>
+              <a:t>移行処理</a:t>
+            </a:r>
+          </a:p>
+        </p:txBody>
+      </p:sp>
+      <p:sp>
+        <p:nvSpPr>
+          <p:cNvPr id="31" name="矢印: 右 30">
+            <a:extLst>
+              <a:ext uri="{FF2B5EF4-FFF2-40B4-BE49-F238E27FC236}">
+                <a16:creationId xmlns:a16="http://schemas.microsoft.com/office/drawing/2014/main" id="{FBE3FF26-765F-405A-BE56-1F7F84D5B65F}"/>
+              </a:ext>
+            </a:extLst>
+          </p:cNvPr>
+          <p:cNvSpPr/>
+          <p:nvPr/>
+        </p:nvSpPr>
+        <p:spPr>
+          <a:xfrm>
+            <a:off x="9234902" y="5568529"/>
+            <a:ext cx="572429" cy="383427"/>
+          </a:xfrm>
+          <a:prstGeom prst="rightArrow">
+            <a:avLst/>
+          </a:prstGeom>
+        </p:spPr>
+        <p:style>
+          <a:lnRef idx="2">
+            <a:schemeClr val="accent1">
+              <a:shade val="50000"/>
+            </a:schemeClr>
+          </a:lnRef>
+          <a:fillRef idx="1">
+            <a:schemeClr val="accent1"/>
+          </a:fillRef>
+          <a:effectRef idx="0">
+            <a:schemeClr val="accent1"/>
+          </a:effectRef>
+          <a:fontRef idx="minor">
+            <a:schemeClr val="lt1"/>
+          </a:fontRef>
+        </p:style>
+        <p:txBody>
+          <a:bodyPr rtlCol="0" anchor="ctr"/>
+          <a:lstStyle/>
+          <a:p>
+            <a:pPr algn="ctr"/>
+            <a:endParaRPr kumimoji="1" lang="ja-JP" altLang="en-US"/>
+          </a:p>
+        </p:txBody>
+      </p:sp>
     </p:spTree>
     <p:extLst>
       <p:ext uri="{BB962C8B-B14F-4D97-AF65-F5344CB8AC3E}">
@@ -15352,7 +17182,15 @@
             </a:r>
             <a:r>
               <a:rPr kumimoji="1" lang="en-US" altLang="ja-JP" dirty="0" err="1"/>
-              <a:t>UnfiedProcess</a:t>
+              <a:t>Unfied</a:t>
+            </a:r>
+            <a:r>
+              <a:rPr kumimoji="1" lang="ja-JP" altLang="en-US" dirty="0"/>
+              <a:t> </a:t>
+            </a:r>
+            <a:r>
+              <a:rPr kumimoji="1" lang="en-US" altLang="ja-JP" dirty="0"/>
+              <a:t>Process</a:t>
             </a:r>
             <a:r>
               <a:rPr kumimoji="1" lang="ja-JP" altLang="en-US" dirty="0"/>
@@ -15455,11 +17293,13 @@
         <p:spPr>
           <a:xfrm>
             <a:off x="685801" y="609601"/>
-            <a:ext cx="10131425" cy="882316"/>
+            <a:ext cx="10131425" cy="507999"/>
           </a:xfrm>
         </p:spPr>
         <p:txBody>
-          <a:bodyPr/>
+          <a:bodyPr>
+            <a:normAutofit fontScale="90000"/>
+          </a:bodyPr>
           <a:lstStyle/>
           <a:p>
             <a:r>
@@ -15487,13 +17327,13 @@
         </p:nvSpPr>
         <p:spPr>
           <a:xfrm>
-            <a:off x="685801" y="1756611"/>
-            <a:ext cx="10131425" cy="4371473"/>
+            <a:off x="685801" y="1394691"/>
+            <a:ext cx="10131425" cy="4969164"/>
           </a:xfrm>
         </p:spPr>
         <p:txBody>
           <a:bodyPr>
-            <a:normAutofit fontScale="77500" lnSpcReduction="20000"/>
+            <a:normAutofit fontScale="92500" lnSpcReduction="20000"/>
           </a:bodyPr>
           <a:lstStyle/>
           <a:p>
